--- a/_site/studygroup/CodedDistributedComputing.pptx
+++ b/_site/studygroup/CodedDistributedComputing.pptx
@@ -5,23 +5,20 @@
     <p:sldMasterId id="2147483648" r:id="rId1"/>
   </p:sldMasterIdLst>
   <p:notesMasterIdLst>
-    <p:notesMasterId r:id="rId16"/>
+    <p:notesMasterId r:id="rId13"/>
   </p:notesMasterIdLst>
   <p:sldIdLst>
     <p:sldId id="256" r:id="rId2"/>
-    <p:sldId id="269" r:id="rId3"/>
-    <p:sldId id="270" r:id="rId4"/>
-    <p:sldId id="271" r:id="rId5"/>
-    <p:sldId id="257" r:id="rId6"/>
-    <p:sldId id="259" r:id="rId7"/>
-    <p:sldId id="260" r:id="rId8"/>
-    <p:sldId id="264" r:id="rId9"/>
-    <p:sldId id="263" r:id="rId10"/>
-    <p:sldId id="261" r:id="rId11"/>
-    <p:sldId id="265" r:id="rId12"/>
-    <p:sldId id="267" r:id="rId13"/>
-    <p:sldId id="266" r:id="rId14"/>
-    <p:sldId id="268" r:id="rId15"/>
+    <p:sldId id="257" r:id="rId3"/>
+    <p:sldId id="259" r:id="rId4"/>
+    <p:sldId id="260" r:id="rId5"/>
+    <p:sldId id="264" r:id="rId6"/>
+    <p:sldId id="263" r:id="rId7"/>
+    <p:sldId id="261" r:id="rId8"/>
+    <p:sldId id="265" r:id="rId9"/>
+    <p:sldId id="267" r:id="rId10"/>
+    <p:sldId id="266" r:id="rId11"/>
+    <p:sldId id="268" r:id="rId12"/>
   </p:sldIdLst>
   <p:sldSz cx="12192000" cy="6858000"/>
   <p:notesSz cx="6858000" cy="9144000"/>
@@ -210,7 +207,7 @@
           <a:p>
             <a:fld id="{11007E6C-6E81-4E4D-92BD-56E057B0123A}" type="datetimeFigureOut">
               <a:rPr lang="zh-CN" altLang="en-US" smtClean="0"/>
-              <a:t>2016/12/23</a:t>
+              <a:t>2016/12/25</a:t>
             </a:fld>
             <a:endParaRPr lang="zh-CN" altLang="en-US"/>
           </a:p>
@@ -543,7 +540,7 @@
           <a:p>
             <a:fld id="{F337E7F8-423E-4A19-BF7F-5591051242A4}" type="slidenum">
               <a:rPr lang="zh-CN" altLang="en-US" smtClean="0"/>
-              <a:t>6</a:t>
+              <a:t>3</a:t>
             </a:fld>
             <a:endParaRPr lang="zh-CN" altLang="en-US"/>
           </a:p>
@@ -627,7 +624,7 @@
           <a:p>
             <a:fld id="{F337E7F8-423E-4A19-BF7F-5591051242A4}" type="slidenum">
               <a:rPr lang="zh-CN" altLang="en-US" smtClean="0"/>
-              <a:t>7</a:t>
+              <a:t>4</a:t>
             </a:fld>
             <a:endParaRPr lang="zh-CN" altLang="en-US"/>
           </a:p>
@@ -711,7 +708,7 @@
           <a:p>
             <a:fld id="{F337E7F8-423E-4A19-BF7F-5591051242A4}" type="slidenum">
               <a:rPr lang="zh-CN" altLang="en-US" smtClean="0"/>
-              <a:t>8</a:t>
+              <a:t>5</a:t>
             </a:fld>
             <a:endParaRPr lang="zh-CN" altLang="en-US"/>
           </a:p>
@@ -795,7 +792,7 @@
           <a:p>
             <a:fld id="{F337E7F8-423E-4A19-BF7F-5591051242A4}" type="slidenum">
               <a:rPr lang="zh-CN" altLang="en-US" smtClean="0"/>
-              <a:t>9</a:t>
+              <a:t>6</a:t>
             </a:fld>
             <a:endParaRPr lang="zh-CN" altLang="en-US"/>
           </a:p>
@@ -879,7 +876,7 @@
           <a:p>
             <a:fld id="{F337E7F8-423E-4A19-BF7F-5591051242A4}" type="slidenum">
               <a:rPr lang="zh-CN" altLang="en-US" smtClean="0"/>
-              <a:t>10</a:t>
+              <a:t>7</a:t>
             </a:fld>
             <a:endParaRPr lang="zh-CN" altLang="en-US"/>
           </a:p>
@@ -963,7 +960,7 @@
           <a:p>
             <a:fld id="{F337E7F8-423E-4A19-BF7F-5591051242A4}" type="slidenum">
               <a:rPr lang="zh-CN" altLang="en-US" smtClean="0"/>
-              <a:t>11</a:t>
+              <a:t>8</a:t>
             </a:fld>
             <a:endParaRPr lang="zh-CN" altLang="en-US"/>
           </a:p>
@@ -1047,7 +1044,7 @@
           <a:p>
             <a:fld id="{F337E7F8-423E-4A19-BF7F-5591051242A4}" type="slidenum">
               <a:rPr lang="zh-CN" altLang="en-US" smtClean="0"/>
-              <a:t>12</a:t>
+              <a:t>9</a:t>
             </a:fld>
             <a:endParaRPr lang="zh-CN" altLang="en-US"/>
           </a:p>
@@ -1131,7 +1128,7 @@
           <a:p>
             <a:fld id="{F337E7F8-423E-4A19-BF7F-5591051242A4}" type="slidenum">
               <a:rPr lang="zh-CN" altLang="en-US" smtClean="0"/>
-              <a:t>13</a:t>
+              <a:t>10</a:t>
             </a:fld>
             <a:endParaRPr lang="zh-CN" altLang="en-US"/>
           </a:p>
@@ -1215,7 +1212,7 @@
           <a:p>
             <a:fld id="{F337E7F8-423E-4A19-BF7F-5591051242A4}" type="slidenum">
               <a:rPr lang="zh-CN" altLang="en-US" smtClean="0"/>
-              <a:t>14</a:t>
+              <a:t>11</a:t>
             </a:fld>
             <a:endParaRPr lang="zh-CN" altLang="en-US"/>
           </a:p>
@@ -1365,7 +1362,7 @@
           <a:p>
             <a:fld id="{06F87D94-8EB1-4152-A69C-DFD4D39FF711}" type="datetimeFigureOut">
               <a:rPr lang="zh-CN" altLang="en-US" smtClean="0"/>
-              <a:t>2016/12/23</a:t>
+              <a:t>2016/12/25</a:t>
             </a:fld>
             <a:endParaRPr lang="zh-CN" altLang="en-US"/>
           </a:p>
@@ -1535,7 +1532,7 @@
           <a:p>
             <a:fld id="{06F87D94-8EB1-4152-A69C-DFD4D39FF711}" type="datetimeFigureOut">
               <a:rPr lang="zh-CN" altLang="en-US" smtClean="0"/>
-              <a:t>2016/12/23</a:t>
+              <a:t>2016/12/25</a:t>
             </a:fld>
             <a:endParaRPr lang="zh-CN" altLang="en-US"/>
           </a:p>
@@ -1715,7 +1712,7 @@
           <a:p>
             <a:fld id="{06F87D94-8EB1-4152-A69C-DFD4D39FF711}" type="datetimeFigureOut">
               <a:rPr lang="zh-CN" altLang="en-US" smtClean="0"/>
-              <a:t>2016/12/23</a:t>
+              <a:t>2016/12/25</a:t>
             </a:fld>
             <a:endParaRPr lang="zh-CN" altLang="en-US"/>
           </a:p>
@@ -1885,7 +1882,7 @@
           <a:p>
             <a:fld id="{06F87D94-8EB1-4152-A69C-DFD4D39FF711}" type="datetimeFigureOut">
               <a:rPr lang="zh-CN" altLang="en-US" smtClean="0"/>
-              <a:t>2016/12/23</a:t>
+              <a:t>2016/12/25</a:t>
             </a:fld>
             <a:endParaRPr lang="zh-CN" altLang="en-US"/>
           </a:p>
@@ -2131,7 +2128,7 @@
           <a:p>
             <a:fld id="{06F87D94-8EB1-4152-A69C-DFD4D39FF711}" type="datetimeFigureOut">
               <a:rPr lang="zh-CN" altLang="en-US" smtClean="0"/>
-              <a:t>2016/12/23</a:t>
+              <a:t>2016/12/25</a:t>
             </a:fld>
             <a:endParaRPr lang="zh-CN" altLang="en-US"/>
           </a:p>
@@ -2363,7 +2360,7 @@
           <a:p>
             <a:fld id="{06F87D94-8EB1-4152-A69C-DFD4D39FF711}" type="datetimeFigureOut">
               <a:rPr lang="zh-CN" altLang="en-US" smtClean="0"/>
-              <a:t>2016/12/23</a:t>
+              <a:t>2016/12/25</a:t>
             </a:fld>
             <a:endParaRPr lang="zh-CN" altLang="en-US"/>
           </a:p>
@@ -2730,7 +2727,7 @@
           <a:p>
             <a:fld id="{06F87D94-8EB1-4152-A69C-DFD4D39FF711}" type="datetimeFigureOut">
               <a:rPr lang="zh-CN" altLang="en-US" smtClean="0"/>
-              <a:t>2016/12/23</a:t>
+              <a:t>2016/12/25</a:t>
             </a:fld>
             <a:endParaRPr lang="zh-CN" altLang="en-US"/>
           </a:p>
@@ -2848,7 +2845,7 @@
           <a:p>
             <a:fld id="{06F87D94-8EB1-4152-A69C-DFD4D39FF711}" type="datetimeFigureOut">
               <a:rPr lang="zh-CN" altLang="en-US" smtClean="0"/>
-              <a:t>2016/12/23</a:t>
+              <a:t>2016/12/25</a:t>
             </a:fld>
             <a:endParaRPr lang="zh-CN" altLang="en-US"/>
           </a:p>
@@ -2943,7 +2940,7 @@
           <a:p>
             <a:fld id="{06F87D94-8EB1-4152-A69C-DFD4D39FF711}" type="datetimeFigureOut">
               <a:rPr lang="zh-CN" altLang="en-US" smtClean="0"/>
-              <a:t>2016/12/23</a:t>
+              <a:t>2016/12/25</a:t>
             </a:fld>
             <a:endParaRPr lang="zh-CN" altLang="en-US"/>
           </a:p>
@@ -3220,7 +3217,7 @@
           <a:p>
             <a:fld id="{06F87D94-8EB1-4152-A69C-DFD4D39FF711}" type="datetimeFigureOut">
               <a:rPr lang="zh-CN" altLang="en-US" smtClean="0"/>
-              <a:t>2016/12/23</a:t>
+              <a:t>2016/12/25</a:t>
             </a:fld>
             <a:endParaRPr lang="zh-CN" altLang="en-US"/>
           </a:p>
@@ -3473,7 +3470,7 @@
           <a:p>
             <a:fld id="{06F87D94-8EB1-4152-A69C-DFD4D39FF711}" type="datetimeFigureOut">
               <a:rPr lang="zh-CN" altLang="en-US" smtClean="0"/>
-              <a:t>2016/12/23</a:t>
+              <a:t>2016/12/25</a:t>
             </a:fld>
             <a:endParaRPr lang="zh-CN" altLang="en-US"/>
           </a:p>
@@ -3686,7 +3683,7 @@
           <a:p>
             <a:fld id="{06F87D94-8EB1-4152-A69C-DFD4D39FF711}" type="datetimeFigureOut">
               <a:rPr lang="zh-CN" altLang="en-US" smtClean="0"/>
-              <a:t>2016/12/23</a:t>
+              <a:t>2016/12/25</a:t>
             </a:fld>
             <a:endParaRPr lang="zh-CN" altLang="en-US"/>
           </a:p>
@@ -4142,16 +4139,44 @@
             <p:ph type="subTitle" idx="1"/>
           </p:nvPr>
         </p:nvSpPr>
-        <p:spPr/>
+        <p:spPr>
+          <a:xfrm>
+            <a:off x="1524000" y="3602037"/>
+            <a:ext cx="9144000" cy="3060019"/>
+          </a:xfrm>
+        </p:spPr>
         <p:txBody>
           <a:bodyPr>
-            <a:normAutofit fontScale="92500" lnSpcReduction="10000"/>
+            <a:normAutofit/>
           </a:bodyPr>
           <a:lstStyle/>
           <a:p>
             <a:r>
+              <a:rPr lang="en-US" altLang="zh-CN" dirty="0" err="1" smtClean="0"/>
+              <a:t>Presentor</a:t>
+            </a:r>
+            <a:r>
               <a:rPr lang="en-US" altLang="zh-CN" dirty="0" smtClean="0"/>
-              <a:t>(Short version: Allerton 2015;  </a:t>
+              <a:t> : </a:t>
+            </a:r>
+            <a:r>
+              <a:rPr lang="en-US" altLang="zh-CN" b="1" dirty="0" smtClean="0"/>
+              <a:t>Cao </a:t>
+            </a:r>
+            <a:r>
+              <a:rPr lang="en-US" altLang="zh-CN" b="1" dirty="0" err="1" smtClean="0"/>
+              <a:t>Haiwen</a:t>
+            </a:r>
+            <a:endParaRPr lang="en-US" altLang="zh-CN" b="1" dirty="0" smtClean="0"/>
+          </a:p>
+          <a:p>
+            <a:r>
+              <a:rPr lang="en-US" altLang="zh-CN" dirty="0" smtClean="0"/>
+              <a:t>(</a:t>
+            </a:r>
+            <a:r>
+              <a:rPr lang="en-US" altLang="zh-CN" dirty="0" smtClean="0"/>
+              <a:t>Short version: Allerton 2015;  </a:t>
             </a:r>
             <a:r>
               <a:rPr lang="en-US" altLang="zh-CN" dirty="0" err="1" smtClean="0"/>
@@ -4273,1177 +4298,6 @@
         </p:nvSpPr>
         <p:spPr>
           <a:xfrm>
-            <a:off x="483576" y="136525"/>
-            <a:ext cx="11144317" cy="1029921"/>
-          </a:xfrm>
-        </p:spPr>
-        <p:txBody>
-          <a:bodyPr>
-            <a:normAutofit/>
-          </a:bodyPr>
-          <a:lstStyle/>
-          <a:p>
-            <a:r>
-              <a:rPr lang="en-US" altLang="zh-CN" dirty="0" smtClean="0">
-                <a:latin typeface="Times New Roman" panose="02020603050405020304" pitchFamily="18" charset="0"/>
-                <a:cs typeface="Times New Roman" panose="02020603050405020304" pitchFamily="18" charset="0"/>
-              </a:rPr>
-              <a:t>Coded </a:t>
-            </a:r>
-            <a:r>
-              <a:rPr lang="en-US" altLang="zh-CN" dirty="0" err="1" smtClean="0">
-                <a:latin typeface="Times New Roman" panose="02020603050405020304" pitchFamily="18" charset="0"/>
-                <a:cs typeface="Times New Roman" panose="02020603050405020304" pitchFamily="18" charset="0"/>
-              </a:rPr>
-              <a:t>MapReduce</a:t>
-            </a:r>
-            <a:r>
-              <a:rPr lang="en-US" altLang="zh-CN" dirty="0" smtClean="0">
-                <a:latin typeface="Times New Roman" panose="02020603050405020304" pitchFamily="18" charset="0"/>
-                <a:cs typeface="Times New Roman" panose="02020603050405020304" pitchFamily="18" charset="0"/>
-              </a:rPr>
-              <a:t> : Coding Gain</a:t>
-            </a:r>
-            <a:endParaRPr lang="zh-CN" altLang="en-US" dirty="0">
-              <a:latin typeface="Times New Roman" panose="02020603050405020304" pitchFamily="18" charset="0"/>
-              <a:cs typeface="Times New Roman" panose="02020603050405020304" pitchFamily="18" charset="0"/>
-            </a:endParaRPr>
-          </a:p>
-        </p:txBody>
-      </p:sp>
-      <p:pic>
-        <p:nvPicPr>
-          <p:cNvPr id="6" name="图片 5"/>
-          <p:cNvPicPr>
-            <a:picLocks noChangeAspect="1"/>
-          </p:cNvPicPr>
-          <p:nvPr/>
-        </p:nvPicPr>
-        <p:blipFill>
-          <a:blip r:embed="rId3"/>
-          <a:stretch>
-            <a:fillRect/>
-          </a:stretch>
-        </p:blipFill>
-        <p:spPr>
-          <a:xfrm>
-            <a:off x="1931218" y="1166446"/>
-            <a:ext cx="5600000" cy="5161905"/>
-          </a:xfrm>
-          <a:prstGeom prst="rect">
-            <a:avLst/>
-          </a:prstGeom>
-        </p:spPr>
-      </p:pic>
-      <p:pic>
-        <p:nvPicPr>
-          <p:cNvPr id="9" name="图片 8"/>
-          <p:cNvPicPr>
-            <a:picLocks noChangeAspect="1"/>
-          </p:cNvPicPr>
-          <p:nvPr/>
-        </p:nvPicPr>
-        <p:blipFill>
-          <a:blip r:embed="rId4"/>
-          <a:stretch>
-            <a:fillRect/>
-          </a:stretch>
-        </p:blipFill>
-        <p:spPr>
-          <a:xfrm>
-            <a:off x="7694560" y="1596964"/>
-            <a:ext cx="3933333" cy="552381"/>
-          </a:xfrm>
-          <a:prstGeom prst="rect">
-            <a:avLst/>
-          </a:prstGeom>
-        </p:spPr>
-      </p:pic>
-      <p:pic>
-        <p:nvPicPr>
-          <p:cNvPr id="10" name="图片 9"/>
-          <p:cNvPicPr>
-            <a:picLocks noChangeAspect="1"/>
-          </p:cNvPicPr>
-          <p:nvPr/>
-        </p:nvPicPr>
-        <p:blipFill rotWithShape="1">
-          <a:blip r:embed="rId5"/>
-          <a:srcRect r="1225"/>
-          <a:stretch/>
-        </p:blipFill>
-        <p:spPr>
-          <a:xfrm>
-            <a:off x="7694560" y="2443821"/>
-            <a:ext cx="4383709" cy="647619"/>
-          </a:xfrm>
-          <a:prstGeom prst="rect">
-            <a:avLst/>
-          </a:prstGeom>
-        </p:spPr>
-      </p:pic>
-      <p:pic>
-        <p:nvPicPr>
-          <p:cNvPr id="11" name="图片 10"/>
-          <p:cNvPicPr>
-            <a:picLocks noChangeAspect="1"/>
-          </p:cNvPicPr>
-          <p:nvPr/>
-        </p:nvPicPr>
-        <p:blipFill>
-          <a:blip r:embed="rId6"/>
-          <a:stretch>
-            <a:fillRect/>
-          </a:stretch>
-        </p:blipFill>
-        <p:spPr>
-          <a:xfrm>
-            <a:off x="8141460" y="3385916"/>
-            <a:ext cx="2876190" cy="590476"/>
-          </a:xfrm>
-          <a:prstGeom prst="rect">
-            <a:avLst/>
-          </a:prstGeom>
-        </p:spPr>
-      </p:pic>
-      <p:sp>
-        <p:nvSpPr>
-          <p:cNvPr id="12" name="椭圆 11"/>
-          <p:cNvSpPr/>
-          <p:nvPr/>
-        </p:nvSpPr>
-        <p:spPr>
-          <a:xfrm>
-            <a:off x="4831306" y="2333767"/>
-            <a:ext cx="277612" cy="1323833"/>
-          </a:xfrm>
-          <a:prstGeom prst="ellipse">
-            <a:avLst/>
-          </a:prstGeom>
-          <a:noFill/>
-          <a:ln>
-            <a:solidFill>
-              <a:srgbClr val="00B0F0"/>
-            </a:solidFill>
-          </a:ln>
-        </p:spPr>
-        <p:style>
-          <a:lnRef idx="2">
-            <a:schemeClr val="accent1">
-              <a:shade val="50000"/>
-            </a:schemeClr>
-          </a:lnRef>
-          <a:fillRef idx="1">
-            <a:schemeClr val="accent1"/>
-          </a:fillRef>
-          <a:effectRef idx="0">
-            <a:schemeClr val="accent1"/>
-          </a:effectRef>
-          <a:fontRef idx="minor">
-            <a:schemeClr val="lt1"/>
-          </a:fontRef>
-        </p:style>
-        <p:txBody>
-          <a:bodyPr rtlCol="0" anchor="ctr"/>
-          <a:lstStyle/>
-          <a:p>
-            <a:pPr algn="ctr"/>
-            <a:endParaRPr lang="zh-CN" altLang="en-US"/>
-          </a:p>
-        </p:txBody>
-      </p:sp>
-      <p:sp>
-        <p:nvSpPr>
-          <p:cNvPr id="25" name="椭圆 24"/>
-          <p:cNvSpPr/>
-          <p:nvPr/>
-        </p:nvSpPr>
-        <p:spPr>
-          <a:xfrm>
-            <a:off x="4831306" y="3385916"/>
-            <a:ext cx="277612" cy="1745642"/>
-          </a:xfrm>
-          <a:prstGeom prst="ellipse">
-            <a:avLst/>
-          </a:prstGeom>
-          <a:noFill/>
-          <a:ln>
-            <a:solidFill>
-              <a:srgbClr val="FF0000"/>
-            </a:solidFill>
-          </a:ln>
-        </p:spPr>
-        <p:style>
-          <a:lnRef idx="2">
-            <a:schemeClr val="accent1">
-              <a:shade val="50000"/>
-            </a:schemeClr>
-          </a:lnRef>
-          <a:fillRef idx="1">
-            <a:schemeClr val="accent1"/>
-          </a:fillRef>
-          <a:effectRef idx="0">
-            <a:schemeClr val="accent1"/>
-          </a:effectRef>
-          <a:fontRef idx="minor">
-            <a:schemeClr val="lt1"/>
-          </a:fontRef>
-        </p:style>
-        <p:txBody>
-          <a:bodyPr rtlCol="0" anchor="ctr"/>
-          <a:lstStyle/>
-          <a:p>
-            <a:pPr algn="ctr"/>
-            <a:endParaRPr lang="zh-CN" altLang="en-US" dirty="0">
-              <a:solidFill>
-                <a:schemeClr val="tx1"/>
-              </a:solidFill>
-            </a:endParaRPr>
-          </a:p>
-        </p:txBody>
-      </p:sp>
-      <mc:AlternateContent xmlns:mc="http://schemas.openxmlformats.org/markup-compatibility/2006" xmlns:a14="http://schemas.microsoft.com/office/drawing/2010/main">
-        <mc:Choice Requires="a14">
-          <p:sp>
-            <p:nvSpPr>
-              <p:cNvPr id="16" name="文本框 15"/>
-              <p:cNvSpPr txBox="1"/>
-              <p:nvPr/>
-            </p:nvSpPr>
-            <p:spPr>
-              <a:xfrm>
-                <a:off x="4653888" y="2838734"/>
-                <a:ext cx="1187354" cy="400110"/>
-              </a:xfrm>
-              <a:prstGeom prst="rect">
-                <a:avLst/>
-              </a:prstGeom>
-              <a:noFill/>
-            </p:spPr>
-            <p:txBody>
-              <a:bodyPr wrap="square" rtlCol="0">
-                <a:spAutoFit/>
-              </a:bodyPr>
-              <a:lstStyle/>
-              <a:p>
-                <a:pPr/>
-                <a14:m>
-                  <m:oMathPara xmlns:m="http://schemas.openxmlformats.org/officeDocument/2006/math">
-                    <m:oMathParaPr>
-                      <m:jc m:val="centerGroup"/>
-                    </m:oMathParaPr>
-                    <m:oMath xmlns:m="http://schemas.openxmlformats.org/officeDocument/2006/math">
-                      <m:r>
-                        <a:rPr lang="zh-CN" altLang="en-US" sz="2000" b="1" i="1" smtClean="0">
-                          <a:latin typeface="Cambria Math" panose="02040503050406030204" pitchFamily="18" charset="0"/>
-                        </a:rPr>
-                        <m:t>≈</m:t>
-                      </m:r>
-                      <m:r>
-                        <a:rPr lang="en-US" altLang="zh-CN" sz="2000" b="1" i="1" smtClean="0">
-                          <a:latin typeface="Cambria Math" panose="02040503050406030204" pitchFamily="18" charset="0"/>
-                        </a:rPr>
-                        <m:t>𝟏</m:t>
-                      </m:r>
-                      <m:r>
-                        <a:rPr lang="en-US" altLang="zh-CN" sz="2000" b="1" i="1" smtClean="0">
-                          <a:latin typeface="Cambria Math" panose="02040503050406030204" pitchFamily="18" charset="0"/>
-                        </a:rPr>
-                        <m:t>−</m:t>
-                      </m:r>
-                      <m:r>
-                        <a:rPr lang="en-US" altLang="zh-CN" sz="2000" b="1" i="1" smtClean="0">
-                          <a:latin typeface="Cambria Math" panose="02040503050406030204" pitchFamily="18" charset="0"/>
-                        </a:rPr>
-                        <m:t>𝒓</m:t>
-                      </m:r>
-                    </m:oMath>
-                  </m:oMathPara>
-                </a14:m>
-                <a:endParaRPr lang="zh-CN" altLang="en-US" sz="2000" b="1" dirty="0"/>
-              </a:p>
-            </p:txBody>
-          </p:sp>
-        </mc:Choice>
-        <mc:Fallback xmlns="">
-          <p:sp>
-            <p:nvSpPr>
-              <p:cNvPr id="16" name="文本框 15"/>
-              <p:cNvSpPr txBox="1">
-                <a:spLocks noRot="1" noChangeAspect="1" noMove="1" noResize="1" noEditPoints="1" noAdjustHandles="1" noChangeArrowheads="1" noChangeShapeType="1" noTextEdit="1"/>
-              </p:cNvSpPr>
-              <p:nvPr/>
-            </p:nvSpPr>
-            <p:spPr>
-              <a:xfrm>
-                <a:off x="4653888" y="2838734"/>
-                <a:ext cx="1187354" cy="400110"/>
-              </a:xfrm>
-              <a:prstGeom prst="rect">
-                <a:avLst/>
-              </a:prstGeom>
-              <a:blipFill rotWithShape="0">
-                <a:blip r:embed="rId7"/>
-                <a:stretch>
-                  <a:fillRect/>
-                </a:stretch>
-              </a:blipFill>
-            </p:spPr>
-            <p:txBody>
-              <a:bodyPr/>
-              <a:lstStyle/>
-              <a:p>
-                <a:r>
-                  <a:rPr lang="zh-CN" altLang="en-US">
-                    <a:noFill/>
-                  </a:rPr>
-                  <a:t> </a:t>
-                </a:r>
-              </a:p>
-            </p:txBody>
-          </p:sp>
-        </mc:Fallback>
-      </mc:AlternateContent>
-      <mc:AlternateContent xmlns:mc="http://schemas.openxmlformats.org/markup-compatibility/2006" xmlns:a14="http://schemas.microsoft.com/office/drawing/2010/main">
-        <mc:Choice Requires="a14">
-          <p:sp>
-            <p:nvSpPr>
-              <p:cNvPr id="34" name="文本框 33"/>
-              <p:cNvSpPr txBox="1"/>
-              <p:nvPr/>
-            </p:nvSpPr>
-            <p:spPr>
-              <a:xfrm>
-                <a:off x="4749424" y="4053321"/>
-                <a:ext cx="777922" cy="400110"/>
-              </a:xfrm>
-              <a:prstGeom prst="rect">
-                <a:avLst/>
-              </a:prstGeom>
-              <a:noFill/>
-            </p:spPr>
-            <p:txBody>
-              <a:bodyPr wrap="square" rtlCol="0">
-                <a:spAutoFit/>
-              </a:bodyPr>
-              <a:lstStyle/>
-              <a:p>
-                <a:pPr/>
-                <a14:m>
-                  <m:oMathPara xmlns:m="http://schemas.openxmlformats.org/officeDocument/2006/math">
-                    <m:oMathParaPr>
-                      <m:jc m:val="centerGroup"/>
-                    </m:oMathParaPr>
-                    <m:oMath xmlns:m="http://schemas.openxmlformats.org/officeDocument/2006/math">
-                      <m:r>
-                        <a:rPr lang="zh-CN" altLang="en-US" sz="2000" b="1" i="1" smtClean="0">
-                          <a:solidFill>
-                            <a:schemeClr val="tx1"/>
-                          </a:solidFill>
-                          <a:latin typeface="Cambria Math" panose="02040503050406030204" pitchFamily="18" charset="0"/>
-                        </a:rPr>
-                        <m:t>≈</m:t>
-                      </m:r>
-                      <m:r>
-                        <a:rPr lang="en-US" altLang="zh-CN" sz="2000" b="1" i="1" smtClean="0">
-                          <a:solidFill>
-                            <a:schemeClr val="tx1"/>
-                          </a:solidFill>
-                          <a:latin typeface="Cambria Math" panose="02040503050406030204" pitchFamily="18" charset="0"/>
-                        </a:rPr>
-                        <m:t>𝒓𝑲</m:t>
-                      </m:r>
-                    </m:oMath>
-                  </m:oMathPara>
-                </a14:m>
-                <a:endParaRPr lang="zh-CN" altLang="en-US" sz="2000" b="1" dirty="0">
-                  <a:solidFill>
-                    <a:schemeClr val="tx1"/>
-                  </a:solidFill>
-                </a:endParaRPr>
-              </a:p>
-            </p:txBody>
-          </p:sp>
-        </mc:Choice>
-        <mc:Fallback xmlns="">
-          <p:sp>
-            <p:nvSpPr>
-              <p:cNvPr id="34" name="文本框 33"/>
-              <p:cNvSpPr txBox="1">
-                <a:spLocks noRot="1" noChangeAspect="1" noMove="1" noResize="1" noEditPoints="1" noAdjustHandles="1" noChangeArrowheads="1" noChangeShapeType="1" noTextEdit="1"/>
-              </p:cNvSpPr>
-              <p:nvPr/>
-            </p:nvSpPr>
-            <p:spPr>
-              <a:xfrm>
-                <a:off x="4749424" y="4053321"/>
-                <a:ext cx="777922" cy="400110"/>
-              </a:xfrm>
-              <a:prstGeom prst="rect">
-                <a:avLst/>
-              </a:prstGeom>
-              <a:blipFill rotWithShape="0">
-                <a:blip r:embed="rId8"/>
-                <a:stretch>
-                  <a:fillRect/>
-                </a:stretch>
-              </a:blipFill>
-            </p:spPr>
-            <p:txBody>
-              <a:bodyPr/>
-              <a:lstStyle/>
-              <a:p>
-                <a:r>
-                  <a:rPr lang="zh-CN" altLang="en-US">
-                    <a:noFill/>
-                  </a:rPr>
-                  <a:t> </a:t>
-                </a:r>
-              </a:p>
-            </p:txBody>
-          </p:sp>
-        </mc:Fallback>
-      </mc:AlternateContent>
-      <p:pic>
-        <p:nvPicPr>
-          <p:cNvPr id="19" name="图片 18"/>
-          <p:cNvPicPr>
-            <a:picLocks noChangeAspect="1"/>
-          </p:cNvPicPr>
-          <p:nvPr/>
-        </p:nvPicPr>
-        <p:blipFill>
-          <a:blip r:embed="rId9"/>
-          <a:stretch>
-            <a:fillRect/>
-          </a:stretch>
-        </p:blipFill>
-        <p:spPr>
-          <a:xfrm>
-            <a:off x="7531218" y="4368815"/>
-            <a:ext cx="3486431" cy="794299"/>
-          </a:xfrm>
-          <a:prstGeom prst="rect">
-            <a:avLst/>
-          </a:prstGeom>
-        </p:spPr>
-      </p:pic>
-      <p:sp>
-        <p:nvSpPr>
-          <p:cNvPr id="20" name="椭圆 19"/>
-          <p:cNvSpPr/>
-          <p:nvPr/>
-        </p:nvSpPr>
-        <p:spPr>
-          <a:xfrm>
-            <a:off x="9621672" y="4244454"/>
-            <a:ext cx="832513" cy="1119116"/>
-          </a:xfrm>
-          <a:prstGeom prst="ellipse">
-            <a:avLst/>
-          </a:prstGeom>
-          <a:noFill/>
-          <a:ln>
-            <a:solidFill>
-              <a:srgbClr val="00B0F0"/>
-            </a:solidFill>
-          </a:ln>
-        </p:spPr>
-        <p:style>
-          <a:lnRef idx="2">
-            <a:schemeClr val="accent1">
-              <a:shade val="50000"/>
-            </a:schemeClr>
-          </a:lnRef>
-          <a:fillRef idx="1">
-            <a:schemeClr val="accent1"/>
-          </a:fillRef>
-          <a:effectRef idx="0">
-            <a:schemeClr val="accent1"/>
-          </a:effectRef>
-          <a:fontRef idx="minor">
-            <a:schemeClr val="lt1"/>
-          </a:fontRef>
-        </p:style>
-        <p:txBody>
-          <a:bodyPr rtlCol="0" anchor="ctr"/>
-          <a:lstStyle/>
-          <a:p>
-            <a:pPr algn="ctr"/>
-            <a:endParaRPr lang="zh-CN" altLang="en-US"/>
-          </a:p>
-        </p:txBody>
-      </p:sp>
-      <p:sp>
-        <p:nvSpPr>
-          <p:cNvPr id="22" name="椭圆 21"/>
-          <p:cNvSpPr/>
-          <p:nvPr/>
-        </p:nvSpPr>
-        <p:spPr>
-          <a:xfrm>
-            <a:off x="10563367" y="4244454"/>
-            <a:ext cx="454282" cy="1119116"/>
-          </a:xfrm>
-          <a:prstGeom prst="ellipse">
-            <a:avLst/>
-          </a:prstGeom>
-          <a:noFill/>
-          <a:ln>
-            <a:solidFill>
-              <a:srgbClr val="FF0000"/>
-            </a:solidFill>
-          </a:ln>
-        </p:spPr>
-        <p:style>
-          <a:lnRef idx="2">
-            <a:schemeClr val="accent1">
-              <a:shade val="50000"/>
-            </a:schemeClr>
-          </a:lnRef>
-          <a:fillRef idx="1">
-            <a:schemeClr val="accent1"/>
-          </a:fillRef>
-          <a:effectRef idx="0">
-            <a:schemeClr val="accent1"/>
-          </a:effectRef>
-          <a:fontRef idx="minor">
-            <a:schemeClr val="lt1"/>
-          </a:fontRef>
-        </p:style>
-        <p:txBody>
-          <a:bodyPr rtlCol="0" anchor="ctr"/>
-          <a:lstStyle/>
-          <a:p>
-            <a:pPr algn="ctr"/>
-            <a:endParaRPr lang="zh-CN" altLang="en-US"/>
-          </a:p>
-        </p:txBody>
-      </p:sp>
-      <p:sp>
-        <p:nvSpPr>
-          <p:cNvPr id="23" name="文本框 22"/>
-          <p:cNvSpPr txBox="1"/>
-          <p:nvPr/>
-        </p:nvSpPr>
-        <p:spPr>
-          <a:xfrm>
-            <a:off x="9205415" y="3916087"/>
-            <a:ext cx="1665026" cy="369332"/>
-          </a:xfrm>
-          <a:prstGeom prst="rect">
-            <a:avLst/>
-          </a:prstGeom>
-          <a:noFill/>
-        </p:spPr>
-        <p:txBody>
-          <a:bodyPr wrap="square" rtlCol="0">
-            <a:spAutoFit/>
-          </a:bodyPr>
-          <a:lstStyle/>
-          <a:p>
-            <a:r>
-              <a:rPr lang="en-US" altLang="zh-CN" dirty="0" smtClean="0"/>
-              <a:t>Repetitive Gain</a:t>
-            </a:r>
-            <a:endParaRPr lang="zh-CN" altLang="en-US" dirty="0"/>
-          </a:p>
-        </p:txBody>
-      </p:sp>
-      <p:sp>
-        <p:nvSpPr>
-          <p:cNvPr id="35" name="文本框 34"/>
-          <p:cNvSpPr txBox="1"/>
-          <p:nvPr/>
-        </p:nvSpPr>
-        <p:spPr>
-          <a:xfrm>
-            <a:off x="10125179" y="5378128"/>
-            <a:ext cx="1330657" cy="369332"/>
-          </a:xfrm>
-          <a:prstGeom prst="rect">
-            <a:avLst/>
-          </a:prstGeom>
-          <a:noFill/>
-        </p:spPr>
-        <p:txBody>
-          <a:bodyPr wrap="square" rtlCol="0">
-            <a:spAutoFit/>
-          </a:bodyPr>
-          <a:lstStyle/>
-          <a:p>
-            <a:r>
-              <a:rPr lang="en-US" altLang="zh-CN" dirty="0" smtClean="0"/>
-              <a:t>Coding Gain</a:t>
-            </a:r>
-            <a:endParaRPr lang="zh-CN" altLang="en-US" dirty="0"/>
-          </a:p>
-        </p:txBody>
-      </p:sp>
-      <p:sp>
-        <p:nvSpPr>
-          <p:cNvPr id="36" name="圆角矩形 35"/>
-          <p:cNvSpPr/>
-          <p:nvPr/>
-        </p:nvSpPr>
-        <p:spPr>
-          <a:xfrm>
-            <a:off x="8275907" y="653759"/>
-            <a:ext cx="3698544" cy="859809"/>
-          </a:xfrm>
-          <a:prstGeom prst="roundRect">
-            <a:avLst/>
-          </a:prstGeom>
-          <a:solidFill>
-            <a:srgbClr val="FF0000"/>
-          </a:solidFill>
-        </p:spPr>
-        <p:style>
-          <a:lnRef idx="2">
-            <a:schemeClr val="accent1">
-              <a:shade val="50000"/>
-            </a:schemeClr>
-          </a:lnRef>
-          <a:fillRef idx="1">
-            <a:schemeClr val="accent1"/>
-          </a:fillRef>
-          <a:effectRef idx="0">
-            <a:schemeClr val="accent1"/>
-          </a:effectRef>
-          <a:fontRef idx="minor">
-            <a:schemeClr val="lt1"/>
-          </a:fontRef>
-        </p:style>
-        <p:txBody>
-          <a:bodyPr rtlCol="0" anchor="ctr"/>
-          <a:lstStyle/>
-          <a:p>
-            <a:pPr algn="ctr"/>
-            <a:r>
-              <a:rPr lang="en-US" altLang="zh-CN" sz="2800" dirty="0" smtClean="0">
-                <a:latin typeface="Times New Roman" panose="02020603050405020304" pitchFamily="18" charset="0"/>
-                <a:cs typeface="Times New Roman" panose="02020603050405020304" pitchFamily="18" charset="0"/>
-              </a:rPr>
-              <a:t>Parameters: K, Q, N, r </a:t>
-            </a:r>
-            <a:endParaRPr lang="zh-CN" altLang="en-US" sz="2800" dirty="0">
-              <a:latin typeface="Times New Roman" panose="02020603050405020304" pitchFamily="18" charset="0"/>
-              <a:cs typeface="Times New Roman" panose="02020603050405020304" pitchFamily="18" charset="0"/>
-            </a:endParaRPr>
-          </a:p>
-        </p:txBody>
-      </p:sp>
-    </p:spTree>
-    <p:extLst>
-      <p:ext uri="{BB962C8B-B14F-4D97-AF65-F5344CB8AC3E}">
-        <p14:creationId xmlns:p14="http://schemas.microsoft.com/office/powerpoint/2010/main" val="673331949"/>
-      </p:ext>
-    </p:extLst>
-  </p:cSld>
-  <p:clrMapOvr>
-    <a:masterClrMapping/>
-  </p:clrMapOvr>
-  <p:timing>
-    <p:tnLst>
-      <p:par>
-        <p:cTn id="1" dur="indefinite" restart="never" nodeType="tmRoot"/>
-      </p:par>
-    </p:tnLst>
-  </p:timing>
-</p:sld>
-</file>
-
-<file path=ppt/slides/slide11.xml><?xml version="1.0" encoding="utf-8"?>
-<p:sld xmlns:a="http://schemas.openxmlformats.org/drawingml/2006/main" xmlns:r="http://schemas.openxmlformats.org/officeDocument/2006/relationships" xmlns:p="http://schemas.openxmlformats.org/presentationml/2006/main">
-  <p:cSld>
-    <p:spTree>
-      <p:nvGrpSpPr>
-        <p:cNvPr id="1" name=""/>
-        <p:cNvGrpSpPr/>
-        <p:nvPr/>
-      </p:nvGrpSpPr>
-      <p:grpSpPr>
-        <a:xfrm>
-          <a:off x="0" y="0"/>
-          <a:ext cx="0" cy="0"/>
-          <a:chOff x="0" y="0"/>
-          <a:chExt cx="0" cy="0"/>
-        </a:xfrm>
-      </p:grpSpPr>
-      <p:sp>
-        <p:nvSpPr>
-          <p:cNvPr id="2" name="标题 1"/>
-          <p:cNvSpPr>
-            <a:spLocks noGrp="1"/>
-          </p:cNvSpPr>
-          <p:nvPr>
-            <p:ph type="title"/>
-          </p:nvPr>
-        </p:nvSpPr>
-        <p:spPr>
-          <a:xfrm>
-            <a:off x="483576" y="136525"/>
-            <a:ext cx="11144317" cy="1029921"/>
-          </a:xfrm>
-        </p:spPr>
-        <p:txBody>
-          <a:bodyPr>
-            <a:normAutofit/>
-          </a:bodyPr>
-          <a:lstStyle/>
-          <a:p>
-            <a:r>
-              <a:rPr lang="en-US" altLang="zh-CN" dirty="0" smtClean="0">
-                <a:latin typeface="Times New Roman" panose="02020603050405020304" pitchFamily="18" charset="0"/>
-                <a:cs typeface="Times New Roman" panose="02020603050405020304" pitchFamily="18" charset="0"/>
-              </a:rPr>
-              <a:t>Scheme: Coded </a:t>
-            </a:r>
-            <a:r>
-              <a:rPr lang="en-US" altLang="zh-CN" dirty="0" err="1" smtClean="0">
-                <a:latin typeface="Times New Roman" panose="02020603050405020304" pitchFamily="18" charset="0"/>
-                <a:cs typeface="Times New Roman" panose="02020603050405020304" pitchFamily="18" charset="0"/>
-              </a:rPr>
-              <a:t>MapReduce</a:t>
-            </a:r>
-            <a:endParaRPr lang="zh-CN" altLang="en-US" dirty="0">
-              <a:latin typeface="Times New Roman" panose="02020603050405020304" pitchFamily="18" charset="0"/>
-              <a:cs typeface="Times New Roman" panose="02020603050405020304" pitchFamily="18" charset="0"/>
-            </a:endParaRPr>
-          </a:p>
-        </p:txBody>
-      </p:sp>
-      <p:sp>
-        <p:nvSpPr>
-          <p:cNvPr id="30" name="文本框 29"/>
-          <p:cNvSpPr txBox="1"/>
-          <p:nvPr/>
-        </p:nvSpPr>
-        <p:spPr>
-          <a:xfrm>
-            <a:off x="1479204" y="6469052"/>
-            <a:ext cx="784189" cy="369332"/>
-          </a:xfrm>
-          <a:prstGeom prst="rect">
-            <a:avLst/>
-          </a:prstGeom>
-          <a:noFill/>
-        </p:spPr>
-        <p:txBody>
-          <a:bodyPr wrap="none" rtlCol="0">
-            <a:spAutoFit/>
-          </a:bodyPr>
-          <a:lstStyle/>
-          <a:p>
-            <a:r>
-              <a:rPr lang="en-US" altLang="zh-CN" dirty="0" smtClean="0"/>
-              <a:t>A: 135</a:t>
-            </a:r>
-            <a:endParaRPr lang="zh-CN" altLang="en-US" dirty="0"/>
-          </a:p>
-        </p:txBody>
-      </p:sp>
-      <p:sp>
-        <p:nvSpPr>
-          <p:cNvPr id="31" name="文本框 30"/>
-          <p:cNvSpPr txBox="1"/>
-          <p:nvPr/>
-        </p:nvSpPr>
-        <p:spPr>
-          <a:xfrm>
-            <a:off x="4278921" y="6480776"/>
-            <a:ext cx="309700" cy="369332"/>
-          </a:xfrm>
-          <a:prstGeom prst="rect">
-            <a:avLst/>
-          </a:prstGeom>
-          <a:noFill/>
-        </p:spPr>
-        <p:txBody>
-          <a:bodyPr wrap="none" rtlCol="0">
-            <a:spAutoFit/>
-          </a:bodyPr>
-          <a:lstStyle/>
-          <a:p>
-            <a:r>
-              <a:rPr lang="en-US" altLang="zh-CN" dirty="0" smtClean="0"/>
-              <a:t>B</a:t>
-            </a:r>
-            <a:endParaRPr lang="zh-CN" altLang="en-US" dirty="0"/>
-          </a:p>
-        </p:txBody>
-      </p:sp>
-      <p:sp>
-        <p:nvSpPr>
-          <p:cNvPr id="32" name="文本框 31"/>
-          <p:cNvSpPr txBox="1"/>
-          <p:nvPr/>
-        </p:nvSpPr>
-        <p:spPr>
-          <a:xfrm>
-            <a:off x="6963508" y="6469054"/>
-            <a:ext cx="309700" cy="369332"/>
-          </a:xfrm>
-          <a:prstGeom prst="rect">
-            <a:avLst/>
-          </a:prstGeom>
-          <a:noFill/>
-        </p:spPr>
-        <p:txBody>
-          <a:bodyPr wrap="none" rtlCol="0">
-            <a:spAutoFit/>
-          </a:bodyPr>
-          <a:lstStyle/>
-          <a:p>
-            <a:r>
-              <a:rPr lang="en-US" altLang="zh-CN" dirty="0" smtClean="0"/>
-              <a:t>C</a:t>
-            </a:r>
-            <a:endParaRPr lang="zh-CN" altLang="en-US" dirty="0"/>
-          </a:p>
-        </p:txBody>
-      </p:sp>
-      <p:sp>
-        <p:nvSpPr>
-          <p:cNvPr id="33" name="文本框 32"/>
-          <p:cNvSpPr txBox="1"/>
-          <p:nvPr/>
-        </p:nvSpPr>
-        <p:spPr>
-          <a:xfrm>
-            <a:off x="9530862" y="6457332"/>
-            <a:ext cx="327334" cy="369332"/>
-          </a:xfrm>
-          <a:prstGeom prst="rect">
-            <a:avLst/>
-          </a:prstGeom>
-          <a:noFill/>
-        </p:spPr>
-        <p:txBody>
-          <a:bodyPr wrap="none" rtlCol="0">
-            <a:spAutoFit/>
-          </a:bodyPr>
-          <a:lstStyle/>
-          <a:p>
-            <a:r>
-              <a:rPr lang="en-US" altLang="zh-CN" dirty="0"/>
-              <a:t>D</a:t>
-            </a:r>
-            <a:endParaRPr lang="zh-CN" altLang="en-US" dirty="0"/>
-          </a:p>
-        </p:txBody>
-      </p:sp>
-      <p:pic>
-        <p:nvPicPr>
-          <p:cNvPr id="4" name="图片 3"/>
-          <p:cNvPicPr>
-            <a:picLocks noChangeAspect="1"/>
-          </p:cNvPicPr>
-          <p:nvPr/>
-        </p:nvPicPr>
-        <p:blipFill>
-          <a:blip r:embed="rId3"/>
-          <a:stretch>
-            <a:fillRect/>
-          </a:stretch>
-        </p:blipFill>
-        <p:spPr>
-          <a:xfrm>
-            <a:off x="836034" y="887104"/>
-            <a:ext cx="10439400" cy="5923129"/>
-          </a:xfrm>
-          <a:prstGeom prst="rect">
-            <a:avLst/>
-          </a:prstGeom>
-        </p:spPr>
-      </p:pic>
-    </p:spTree>
-    <p:extLst>
-      <p:ext uri="{BB962C8B-B14F-4D97-AF65-F5344CB8AC3E}">
-        <p14:creationId xmlns:p14="http://schemas.microsoft.com/office/powerpoint/2010/main" val="884319764"/>
-      </p:ext>
-    </p:extLst>
-  </p:cSld>
-  <p:clrMapOvr>
-    <a:masterClrMapping/>
-  </p:clrMapOvr>
-  <p:timing>
-    <p:tnLst>
-      <p:par>
-        <p:cTn id="1" dur="indefinite" restart="never" nodeType="tmRoot"/>
-      </p:par>
-    </p:tnLst>
-  </p:timing>
-</p:sld>
-</file>
-
-<file path=ppt/slides/slide12.xml><?xml version="1.0" encoding="utf-8"?>
-<p:sld xmlns:a="http://schemas.openxmlformats.org/drawingml/2006/main" xmlns:r="http://schemas.openxmlformats.org/officeDocument/2006/relationships" xmlns:p="http://schemas.openxmlformats.org/presentationml/2006/main">
-  <p:cSld>
-    <p:spTree>
-      <p:nvGrpSpPr>
-        <p:cNvPr id="1" name=""/>
-        <p:cNvGrpSpPr/>
-        <p:nvPr/>
-      </p:nvGrpSpPr>
-      <p:grpSpPr>
-        <a:xfrm>
-          <a:off x="0" y="0"/>
-          <a:ext cx="0" cy="0"/>
-          <a:chOff x="0" y="0"/>
-          <a:chExt cx="0" cy="0"/>
-        </a:xfrm>
-      </p:grpSpPr>
-      <p:sp>
-        <p:nvSpPr>
-          <p:cNvPr id="2" name="标题 1"/>
-          <p:cNvSpPr>
-            <a:spLocks noGrp="1"/>
-          </p:cNvSpPr>
-          <p:nvPr>
-            <p:ph type="title"/>
-          </p:nvPr>
-        </p:nvSpPr>
-        <p:spPr>
-          <a:xfrm>
-            <a:off x="483576" y="136525"/>
-            <a:ext cx="11144317" cy="1029921"/>
-          </a:xfrm>
-        </p:spPr>
-        <p:txBody>
-          <a:bodyPr>
-            <a:normAutofit/>
-          </a:bodyPr>
-          <a:lstStyle/>
-          <a:p>
-            <a:r>
-              <a:rPr lang="en-US" altLang="zh-CN" dirty="0" smtClean="0">
-                <a:latin typeface="Times New Roman" panose="02020603050405020304" pitchFamily="18" charset="0"/>
-                <a:cs typeface="Times New Roman" panose="02020603050405020304" pitchFamily="18" charset="0"/>
-              </a:rPr>
-              <a:t>Main Results:</a:t>
-            </a:r>
-            <a:endParaRPr lang="zh-CN" altLang="en-US" dirty="0">
-              <a:latin typeface="Times New Roman" panose="02020603050405020304" pitchFamily="18" charset="0"/>
-              <a:cs typeface="Times New Roman" panose="02020603050405020304" pitchFamily="18" charset="0"/>
-            </a:endParaRPr>
-          </a:p>
-        </p:txBody>
-      </p:sp>
-      <p:pic>
-        <p:nvPicPr>
-          <p:cNvPr id="3" name="图片 2"/>
-          <p:cNvPicPr>
-            <a:picLocks noChangeAspect="1"/>
-          </p:cNvPicPr>
-          <p:nvPr/>
-        </p:nvPicPr>
-        <p:blipFill>
-          <a:blip r:embed="rId3"/>
-          <a:stretch>
-            <a:fillRect/>
-          </a:stretch>
-        </p:blipFill>
-        <p:spPr>
-          <a:xfrm>
-            <a:off x="483576" y="1070307"/>
-            <a:ext cx="10542857" cy="1523810"/>
-          </a:xfrm>
-          <a:prstGeom prst="rect">
-            <a:avLst/>
-          </a:prstGeom>
-        </p:spPr>
-      </p:pic>
-      <p:pic>
-        <p:nvPicPr>
-          <p:cNvPr id="5" name="图片 4"/>
-          <p:cNvPicPr>
-            <a:picLocks noChangeAspect="1"/>
-          </p:cNvPicPr>
-          <p:nvPr/>
-        </p:nvPicPr>
-        <p:blipFill>
-          <a:blip r:embed="rId4"/>
-          <a:stretch>
-            <a:fillRect/>
-          </a:stretch>
-        </p:blipFill>
-        <p:spPr>
-          <a:xfrm>
-            <a:off x="483576" y="3633238"/>
-            <a:ext cx="10476190" cy="1447619"/>
-          </a:xfrm>
-          <a:prstGeom prst="rect">
-            <a:avLst/>
-          </a:prstGeom>
-        </p:spPr>
-      </p:pic>
-      <p:sp>
-        <p:nvSpPr>
-          <p:cNvPr id="6" name="椭圆 5"/>
-          <p:cNvSpPr/>
-          <p:nvPr/>
-        </p:nvSpPr>
-        <p:spPr>
-          <a:xfrm>
-            <a:off x="2263393" y="1747195"/>
-            <a:ext cx="1064525" cy="910988"/>
-          </a:xfrm>
-          <a:prstGeom prst="ellipse">
-            <a:avLst/>
-          </a:prstGeom>
-          <a:noFill/>
-        </p:spPr>
-        <p:style>
-          <a:lnRef idx="2">
-            <a:schemeClr val="accent1">
-              <a:shade val="50000"/>
-            </a:schemeClr>
-          </a:lnRef>
-          <a:fillRef idx="1">
-            <a:schemeClr val="accent1"/>
-          </a:fillRef>
-          <a:effectRef idx="0">
-            <a:schemeClr val="accent1"/>
-          </a:effectRef>
-          <a:fontRef idx="minor">
-            <a:schemeClr val="lt1"/>
-          </a:fontRef>
-        </p:style>
-        <p:txBody>
-          <a:bodyPr rtlCol="0" anchor="ctr"/>
-          <a:lstStyle/>
-          <a:p>
-            <a:pPr algn="ctr"/>
-            <a:endParaRPr lang="zh-CN" altLang="en-US"/>
-          </a:p>
-        </p:txBody>
-      </p:sp>
-      <p:sp>
-        <p:nvSpPr>
-          <p:cNvPr id="11" name="椭圆 10"/>
-          <p:cNvSpPr/>
-          <p:nvPr/>
-        </p:nvSpPr>
-        <p:spPr>
-          <a:xfrm>
-            <a:off x="3327918" y="1765579"/>
-            <a:ext cx="2472381" cy="1032211"/>
-          </a:xfrm>
-          <a:prstGeom prst="ellipse">
-            <a:avLst/>
-          </a:prstGeom>
-          <a:noFill/>
-          <a:ln>
-            <a:solidFill>
-              <a:srgbClr val="FF0000"/>
-            </a:solidFill>
-          </a:ln>
-        </p:spPr>
-        <p:style>
-          <a:lnRef idx="2">
-            <a:schemeClr val="accent1">
-              <a:shade val="50000"/>
-            </a:schemeClr>
-          </a:lnRef>
-          <a:fillRef idx="1">
-            <a:schemeClr val="accent1"/>
-          </a:fillRef>
-          <a:effectRef idx="0">
-            <a:schemeClr val="accent1"/>
-          </a:effectRef>
-          <a:fontRef idx="minor">
-            <a:schemeClr val="lt1"/>
-          </a:fontRef>
-        </p:style>
-        <p:txBody>
-          <a:bodyPr rtlCol="0" anchor="ctr"/>
-          <a:lstStyle/>
-          <a:p>
-            <a:pPr algn="ctr"/>
-            <a:endParaRPr lang="zh-CN" altLang="en-US"/>
-          </a:p>
-        </p:txBody>
-      </p:sp>
-      <p:sp>
-        <p:nvSpPr>
-          <p:cNvPr id="7" name="文本框 6"/>
-          <p:cNvSpPr txBox="1"/>
-          <p:nvPr/>
-        </p:nvSpPr>
-        <p:spPr>
-          <a:xfrm>
-            <a:off x="2795655" y="2811786"/>
-            <a:ext cx="2715905" cy="400110"/>
-          </a:xfrm>
-          <a:prstGeom prst="rect">
-            <a:avLst/>
-          </a:prstGeom>
-          <a:noFill/>
-        </p:spPr>
-        <p:txBody>
-          <a:bodyPr wrap="square" rtlCol="0">
-            <a:spAutoFit/>
-          </a:bodyPr>
-          <a:lstStyle/>
-          <a:p>
-            <a:r>
-              <a:rPr lang="en-US" altLang="zh-CN" sz="2000" b="1" dirty="0" smtClean="0"/>
-              <a:t>Cut-Set Bounds</a:t>
-            </a:r>
-            <a:endParaRPr lang="zh-CN" altLang="en-US" sz="2000" b="1" dirty="0"/>
-          </a:p>
-        </p:txBody>
-      </p:sp>
-    </p:spTree>
-    <p:extLst>
-      <p:ext uri="{BB962C8B-B14F-4D97-AF65-F5344CB8AC3E}">
-        <p14:creationId xmlns:p14="http://schemas.microsoft.com/office/powerpoint/2010/main" val="2713773701"/>
-      </p:ext>
-    </p:extLst>
-  </p:cSld>
-  <p:clrMapOvr>
-    <a:masterClrMapping/>
-  </p:clrMapOvr>
-  <p:timing>
-    <p:tnLst>
-      <p:par>
-        <p:cTn id="1" dur="indefinite" restart="never" nodeType="tmRoot"/>
-      </p:par>
-    </p:tnLst>
-  </p:timing>
-</p:sld>
-</file>
-
-<file path=ppt/slides/slide13.xml><?xml version="1.0" encoding="utf-8"?>
-<p:sld xmlns:a="http://schemas.openxmlformats.org/drawingml/2006/main" xmlns:r="http://schemas.openxmlformats.org/officeDocument/2006/relationships" xmlns:p="http://schemas.openxmlformats.org/presentationml/2006/main">
-  <p:cSld>
-    <p:spTree>
-      <p:nvGrpSpPr>
-        <p:cNvPr id="1" name=""/>
-        <p:cNvGrpSpPr/>
-        <p:nvPr/>
-      </p:nvGrpSpPr>
-      <p:grpSpPr>
-        <a:xfrm>
-          <a:off x="0" y="0"/>
-          <a:ext cx="0" cy="0"/>
-          <a:chOff x="0" y="0"/>
-          <a:chExt cx="0" cy="0"/>
-        </a:xfrm>
-      </p:grpSpPr>
-      <p:sp>
-        <p:nvSpPr>
-          <p:cNvPr id="2" name="标题 1"/>
-          <p:cNvSpPr>
-            <a:spLocks noGrp="1"/>
-          </p:cNvSpPr>
-          <p:nvPr>
-            <p:ph type="title"/>
-          </p:nvPr>
-        </p:nvSpPr>
-        <p:spPr>
-          <a:xfrm>
             <a:off x="483576" y="-1119"/>
             <a:ext cx="11231377" cy="1140269"/>
           </a:xfrm>
@@ -6469,7 +5323,7 @@
 </p:sld>
 </file>
 
-<file path=ppt/slides/slide14.xml><?xml version="1.0" encoding="utf-8"?>
+<file path=ppt/slides/slide11.xml><?xml version="1.0" encoding="utf-8"?>
 <p:sld xmlns:a="http://schemas.openxmlformats.org/drawingml/2006/main" xmlns:r="http://schemas.openxmlformats.org/officeDocument/2006/relationships" xmlns:p="http://schemas.openxmlformats.org/presentationml/2006/main">
   <p:cSld>
     <p:spTree>
@@ -6699,210 +5553,6 @@
             <p:ph type="title"/>
           </p:nvPr>
         </p:nvSpPr>
-        <p:spPr/>
-        <p:txBody>
-          <a:bodyPr/>
-          <a:lstStyle/>
-          <a:p>
-            <a:endParaRPr lang="zh-CN" altLang="en-US"/>
-          </a:p>
-        </p:txBody>
-      </p:sp>
-      <p:sp>
-        <p:nvSpPr>
-          <p:cNvPr id="3" name="内容占位符 2"/>
-          <p:cNvSpPr>
-            <a:spLocks noGrp="1"/>
-          </p:cNvSpPr>
-          <p:nvPr>
-            <p:ph idx="1"/>
-          </p:nvPr>
-        </p:nvSpPr>
-        <p:spPr/>
-        <p:txBody>
-          <a:bodyPr/>
-          <a:lstStyle/>
-          <a:p>
-            <a:endParaRPr lang="zh-CN" altLang="en-US"/>
-          </a:p>
-        </p:txBody>
-      </p:sp>
-    </p:spTree>
-    <p:extLst>
-      <p:ext uri="{BB962C8B-B14F-4D97-AF65-F5344CB8AC3E}">
-        <p14:creationId xmlns:p14="http://schemas.microsoft.com/office/powerpoint/2010/main" val="2446751488"/>
-      </p:ext>
-    </p:extLst>
-  </p:cSld>
-  <p:clrMapOvr>
-    <a:masterClrMapping/>
-  </p:clrMapOvr>
-</p:sld>
-</file>
-
-<file path=ppt/slides/slide3.xml><?xml version="1.0" encoding="utf-8"?>
-<p:sld xmlns:a="http://schemas.openxmlformats.org/drawingml/2006/main" xmlns:r="http://schemas.openxmlformats.org/officeDocument/2006/relationships" xmlns:p="http://schemas.openxmlformats.org/presentationml/2006/main">
-  <p:cSld>
-    <p:spTree>
-      <p:nvGrpSpPr>
-        <p:cNvPr id="1" name=""/>
-        <p:cNvGrpSpPr/>
-        <p:nvPr/>
-      </p:nvGrpSpPr>
-      <p:grpSpPr>
-        <a:xfrm>
-          <a:off x="0" y="0"/>
-          <a:ext cx="0" cy="0"/>
-          <a:chOff x="0" y="0"/>
-          <a:chExt cx="0" cy="0"/>
-        </a:xfrm>
-      </p:grpSpPr>
-      <p:sp>
-        <p:nvSpPr>
-          <p:cNvPr id="2" name="标题 1"/>
-          <p:cNvSpPr>
-            <a:spLocks noGrp="1"/>
-          </p:cNvSpPr>
-          <p:nvPr>
-            <p:ph type="title"/>
-          </p:nvPr>
-        </p:nvSpPr>
-        <p:spPr/>
-        <p:txBody>
-          <a:bodyPr/>
-          <a:lstStyle/>
-          <a:p>
-            <a:endParaRPr lang="zh-CN" altLang="en-US"/>
-          </a:p>
-        </p:txBody>
-      </p:sp>
-      <p:sp>
-        <p:nvSpPr>
-          <p:cNvPr id="3" name="内容占位符 2"/>
-          <p:cNvSpPr>
-            <a:spLocks noGrp="1"/>
-          </p:cNvSpPr>
-          <p:nvPr>
-            <p:ph idx="1"/>
-          </p:nvPr>
-        </p:nvSpPr>
-        <p:spPr/>
-        <p:txBody>
-          <a:bodyPr/>
-          <a:lstStyle/>
-          <a:p>
-            <a:endParaRPr lang="zh-CN" altLang="en-US"/>
-          </a:p>
-        </p:txBody>
-      </p:sp>
-    </p:spTree>
-    <p:extLst>
-      <p:ext uri="{BB962C8B-B14F-4D97-AF65-F5344CB8AC3E}">
-        <p14:creationId xmlns:p14="http://schemas.microsoft.com/office/powerpoint/2010/main" val="613935582"/>
-      </p:ext>
-    </p:extLst>
-  </p:cSld>
-  <p:clrMapOvr>
-    <a:masterClrMapping/>
-  </p:clrMapOvr>
-</p:sld>
-</file>
-
-<file path=ppt/slides/slide4.xml><?xml version="1.0" encoding="utf-8"?>
-<p:sld xmlns:a="http://schemas.openxmlformats.org/drawingml/2006/main" xmlns:r="http://schemas.openxmlformats.org/officeDocument/2006/relationships" xmlns:p="http://schemas.openxmlformats.org/presentationml/2006/main">
-  <p:cSld>
-    <p:spTree>
-      <p:nvGrpSpPr>
-        <p:cNvPr id="1" name=""/>
-        <p:cNvGrpSpPr/>
-        <p:nvPr/>
-      </p:nvGrpSpPr>
-      <p:grpSpPr>
-        <a:xfrm>
-          <a:off x="0" y="0"/>
-          <a:ext cx="0" cy="0"/>
-          <a:chOff x="0" y="0"/>
-          <a:chExt cx="0" cy="0"/>
-        </a:xfrm>
-      </p:grpSpPr>
-      <p:sp>
-        <p:nvSpPr>
-          <p:cNvPr id="2" name="标题 1"/>
-          <p:cNvSpPr>
-            <a:spLocks noGrp="1"/>
-          </p:cNvSpPr>
-          <p:nvPr>
-            <p:ph type="title"/>
-          </p:nvPr>
-        </p:nvSpPr>
-        <p:spPr/>
-        <p:txBody>
-          <a:bodyPr/>
-          <a:lstStyle/>
-          <a:p>
-            <a:endParaRPr lang="zh-CN" altLang="en-US"/>
-          </a:p>
-        </p:txBody>
-      </p:sp>
-      <p:sp>
-        <p:nvSpPr>
-          <p:cNvPr id="3" name="内容占位符 2"/>
-          <p:cNvSpPr>
-            <a:spLocks noGrp="1"/>
-          </p:cNvSpPr>
-          <p:nvPr>
-            <p:ph idx="1"/>
-          </p:nvPr>
-        </p:nvSpPr>
-        <p:spPr/>
-        <p:txBody>
-          <a:bodyPr/>
-          <a:lstStyle/>
-          <a:p>
-            <a:endParaRPr lang="zh-CN" altLang="en-US"/>
-          </a:p>
-        </p:txBody>
-      </p:sp>
-    </p:spTree>
-    <p:extLst>
-      <p:ext uri="{BB962C8B-B14F-4D97-AF65-F5344CB8AC3E}">
-        <p14:creationId xmlns:p14="http://schemas.microsoft.com/office/powerpoint/2010/main" val="4095844587"/>
-      </p:ext>
-    </p:extLst>
-  </p:cSld>
-  <p:clrMapOvr>
-    <a:masterClrMapping/>
-  </p:clrMapOvr>
-</p:sld>
-</file>
-
-<file path=ppt/slides/slide5.xml><?xml version="1.0" encoding="utf-8"?>
-<p:sld xmlns:a="http://schemas.openxmlformats.org/drawingml/2006/main" xmlns:r="http://schemas.openxmlformats.org/officeDocument/2006/relationships" xmlns:p="http://schemas.openxmlformats.org/presentationml/2006/main">
-  <p:cSld>
-    <p:spTree>
-      <p:nvGrpSpPr>
-        <p:cNvPr id="1" name=""/>
-        <p:cNvGrpSpPr/>
-        <p:nvPr/>
-      </p:nvGrpSpPr>
-      <p:grpSpPr>
-        <a:xfrm>
-          <a:off x="0" y="0"/>
-          <a:ext cx="0" cy="0"/>
-          <a:chOff x="0" y="0"/>
-          <a:chExt cx="0" cy="0"/>
-        </a:xfrm>
-      </p:grpSpPr>
-      <p:sp>
-        <p:nvSpPr>
-          <p:cNvPr id="2" name="标题 1"/>
-          <p:cNvSpPr>
-            <a:spLocks noGrp="1"/>
-          </p:cNvSpPr>
-          <p:nvPr>
-            <p:ph type="title"/>
-          </p:nvPr>
-        </p:nvSpPr>
         <p:spPr>
           <a:xfrm>
             <a:off x="483576" y="132674"/>
@@ -7319,7 +5969,7 @@
 </p:sld>
 </file>
 
-<file path=ppt/slides/slide6.xml><?xml version="1.0" encoding="utf-8"?>
+<file path=ppt/slides/slide3.xml><?xml version="1.0" encoding="utf-8"?>
 <p:sld xmlns:a="http://schemas.openxmlformats.org/drawingml/2006/main" xmlns:r="http://schemas.openxmlformats.org/officeDocument/2006/relationships" xmlns:p="http://schemas.openxmlformats.org/presentationml/2006/main">
   <p:cSld>
     <p:spTree>
@@ -8207,7 +6857,7 @@
 </p:sld>
 </file>
 
-<file path=ppt/slides/slide7.xml><?xml version="1.0" encoding="utf-8"?>
+<file path=ppt/slides/slide4.xml><?xml version="1.0" encoding="utf-8"?>
 <p:sld xmlns:a="http://schemas.openxmlformats.org/drawingml/2006/main" xmlns:r="http://schemas.openxmlformats.org/officeDocument/2006/relationships" xmlns:p="http://schemas.openxmlformats.org/presentationml/2006/main">
   <p:cSld>
     <p:spTree>
@@ -8709,7 +7359,7 @@
 </p:sld>
 </file>
 
-<file path=ppt/slides/slide8.xml><?xml version="1.0" encoding="utf-8"?>
+<file path=ppt/slides/slide5.xml><?xml version="1.0" encoding="utf-8"?>
 <p:sld xmlns:a="http://schemas.openxmlformats.org/drawingml/2006/main" xmlns:r="http://schemas.openxmlformats.org/officeDocument/2006/relationships" xmlns:p="http://schemas.openxmlformats.org/presentationml/2006/main">
   <p:cSld>
     <p:spTree>
@@ -9431,6 +8081,1156 @@
 </p:sld>
 </file>
 
+<file path=ppt/slides/slide6.xml><?xml version="1.0" encoding="utf-8"?>
+<p:sld xmlns:a="http://schemas.openxmlformats.org/drawingml/2006/main" xmlns:r="http://schemas.openxmlformats.org/officeDocument/2006/relationships" xmlns:p="http://schemas.openxmlformats.org/presentationml/2006/main">
+  <p:cSld>
+    <p:spTree>
+      <p:nvGrpSpPr>
+        <p:cNvPr id="1" name=""/>
+        <p:cNvGrpSpPr/>
+        <p:nvPr/>
+      </p:nvGrpSpPr>
+      <p:grpSpPr>
+        <a:xfrm>
+          <a:off x="0" y="0"/>
+          <a:ext cx="0" cy="0"/>
+          <a:chOff x="0" y="0"/>
+          <a:chExt cx="0" cy="0"/>
+        </a:xfrm>
+      </p:grpSpPr>
+      <p:sp>
+        <p:nvSpPr>
+          <p:cNvPr id="2" name="标题 1"/>
+          <p:cNvSpPr>
+            <a:spLocks noGrp="1"/>
+          </p:cNvSpPr>
+          <p:nvPr>
+            <p:ph type="title"/>
+          </p:nvPr>
+        </p:nvSpPr>
+        <p:spPr>
+          <a:xfrm>
+            <a:off x="483576" y="136525"/>
+            <a:ext cx="11144317" cy="1029921"/>
+          </a:xfrm>
+        </p:spPr>
+        <p:txBody>
+          <a:bodyPr>
+            <a:normAutofit/>
+          </a:bodyPr>
+          <a:lstStyle/>
+          <a:p>
+            <a:r>
+              <a:rPr lang="en-US" altLang="zh-CN" dirty="0" smtClean="0">
+                <a:latin typeface="Times New Roman" panose="02020603050405020304" pitchFamily="18" charset="0"/>
+                <a:cs typeface="Times New Roman" panose="02020603050405020304" pitchFamily="18" charset="0"/>
+              </a:rPr>
+              <a:t>Example: Word-Counting (Coded Shuffling)</a:t>
+            </a:r>
+            <a:endParaRPr lang="zh-CN" altLang="en-US" dirty="0">
+              <a:latin typeface="Times New Roman" panose="02020603050405020304" pitchFamily="18" charset="0"/>
+              <a:cs typeface="Times New Roman" panose="02020603050405020304" pitchFamily="18" charset="0"/>
+            </a:endParaRPr>
+          </a:p>
+        </p:txBody>
+      </p:sp>
+      <p:sp>
+        <p:nvSpPr>
+          <p:cNvPr id="30" name="文本框 29"/>
+          <p:cNvSpPr txBox="1"/>
+          <p:nvPr/>
+        </p:nvSpPr>
+        <p:spPr>
+          <a:xfrm>
+            <a:off x="1479204" y="6469052"/>
+            <a:ext cx="784189" cy="369332"/>
+          </a:xfrm>
+          <a:prstGeom prst="rect">
+            <a:avLst/>
+          </a:prstGeom>
+          <a:noFill/>
+        </p:spPr>
+        <p:txBody>
+          <a:bodyPr wrap="none" rtlCol="0">
+            <a:spAutoFit/>
+          </a:bodyPr>
+          <a:lstStyle/>
+          <a:p>
+            <a:r>
+              <a:rPr lang="en-US" altLang="zh-CN" dirty="0" smtClean="0"/>
+              <a:t>A: 135</a:t>
+            </a:r>
+            <a:endParaRPr lang="zh-CN" altLang="en-US" dirty="0"/>
+          </a:p>
+        </p:txBody>
+      </p:sp>
+      <p:sp>
+        <p:nvSpPr>
+          <p:cNvPr id="31" name="文本框 30"/>
+          <p:cNvSpPr txBox="1"/>
+          <p:nvPr/>
+        </p:nvSpPr>
+        <p:spPr>
+          <a:xfrm>
+            <a:off x="4278921" y="6480776"/>
+            <a:ext cx="309700" cy="369332"/>
+          </a:xfrm>
+          <a:prstGeom prst="rect">
+            <a:avLst/>
+          </a:prstGeom>
+          <a:noFill/>
+        </p:spPr>
+        <p:txBody>
+          <a:bodyPr wrap="none" rtlCol="0">
+            <a:spAutoFit/>
+          </a:bodyPr>
+          <a:lstStyle/>
+          <a:p>
+            <a:r>
+              <a:rPr lang="en-US" altLang="zh-CN" dirty="0" smtClean="0"/>
+              <a:t>B</a:t>
+            </a:r>
+            <a:endParaRPr lang="zh-CN" altLang="en-US" dirty="0"/>
+          </a:p>
+        </p:txBody>
+      </p:sp>
+      <p:sp>
+        <p:nvSpPr>
+          <p:cNvPr id="32" name="文本框 31"/>
+          <p:cNvSpPr txBox="1"/>
+          <p:nvPr/>
+        </p:nvSpPr>
+        <p:spPr>
+          <a:xfrm>
+            <a:off x="6963508" y="6469054"/>
+            <a:ext cx="309700" cy="369332"/>
+          </a:xfrm>
+          <a:prstGeom prst="rect">
+            <a:avLst/>
+          </a:prstGeom>
+          <a:noFill/>
+        </p:spPr>
+        <p:txBody>
+          <a:bodyPr wrap="none" rtlCol="0">
+            <a:spAutoFit/>
+          </a:bodyPr>
+          <a:lstStyle/>
+          <a:p>
+            <a:r>
+              <a:rPr lang="en-US" altLang="zh-CN" dirty="0" smtClean="0"/>
+              <a:t>C</a:t>
+            </a:r>
+            <a:endParaRPr lang="zh-CN" altLang="en-US" dirty="0"/>
+          </a:p>
+        </p:txBody>
+      </p:sp>
+      <p:sp>
+        <p:nvSpPr>
+          <p:cNvPr id="33" name="文本框 32"/>
+          <p:cNvSpPr txBox="1"/>
+          <p:nvPr/>
+        </p:nvSpPr>
+        <p:spPr>
+          <a:xfrm>
+            <a:off x="9530862" y="6457332"/>
+            <a:ext cx="327334" cy="369332"/>
+          </a:xfrm>
+          <a:prstGeom prst="rect">
+            <a:avLst/>
+          </a:prstGeom>
+          <a:noFill/>
+        </p:spPr>
+        <p:txBody>
+          <a:bodyPr wrap="none" rtlCol="0">
+            <a:spAutoFit/>
+          </a:bodyPr>
+          <a:lstStyle/>
+          <a:p>
+            <a:r>
+              <a:rPr lang="en-US" altLang="zh-CN" dirty="0"/>
+              <a:t>D</a:t>
+            </a:r>
+            <a:endParaRPr lang="zh-CN" altLang="en-US" dirty="0"/>
+          </a:p>
+        </p:txBody>
+      </p:sp>
+      <p:pic>
+        <p:nvPicPr>
+          <p:cNvPr id="3" name="图片 2"/>
+          <p:cNvPicPr>
+            <a:picLocks noChangeAspect="1"/>
+          </p:cNvPicPr>
+          <p:nvPr/>
+        </p:nvPicPr>
+        <p:blipFill>
+          <a:blip r:embed="rId3"/>
+          <a:stretch>
+            <a:fillRect/>
+          </a:stretch>
+        </p:blipFill>
+        <p:spPr>
+          <a:xfrm>
+            <a:off x="614149" y="1166446"/>
+            <a:ext cx="11013744" cy="5067316"/>
+          </a:xfrm>
+          <a:prstGeom prst="rect">
+            <a:avLst/>
+          </a:prstGeom>
+        </p:spPr>
+      </p:pic>
+    </p:spTree>
+    <p:extLst>
+      <p:ext uri="{BB962C8B-B14F-4D97-AF65-F5344CB8AC3E}">
+        <p14:creationId xmlns:p14="http://schemas.microsoft.com/office/powerpoint/2010/main" val="644476332"/>
+      </p:ext>
+    </p:extLst>
+  </p:cSld>
+  <p:clrMapOvr>
+    <a:masterClrMapping/>
+  </p:clrMapOvr>
+  <p:timing>
+    <p:tnLst>
+      <p:par>
+        <p:cTn id="1" dur="indefinite" restart="never" nodeType="tmRoot"/>
+      </p:par>
+    </p:tnLst>
+  </p:timing>
+</p:sld>
+</file>
+
+<file path=ppt/slides/slide7.xml><?xml version="1.0" encoding="utf-8"?>
+<p:sld xmlns:a="http://schemas.openxmlformats.org/drawingml/2006/main" xmlns:r="http://schemas.openxmlformats.org/officeDocument/2006/relationships" xmlns:p="http://schemas.openxmlformats.org/presentationml/2006/main">
+  <p:cSld>
+    <p:spTree>
+      <p:nvGrpSpPr>
+        <p:cNvPr id="1" name=""/>
+        <p:cNvGrpSpPr/>
+        <p:nvPr/>
+      </p:nvGrpSpPr>
+      <p:grpSpPr>
+        <a:xfrm>
+          <a:off x="0" y="0"/>
+          <a:ext cx="0" cy="0"/>
+          <a:chOff x="0" y="0"/>
+          <a:chExt cx="0" cy="0"/>
+        </a:xfrm>
+      </p:grpSpPr>
+      <p:sp>
+        <p:nvSpPr>
+          <p:cNvPr id="2" name="标题 1"/>
+          <p:cNvSpPr>
+            <a:spLocks noGrp="1"/>
+          </p:cNvSpPr>
+          <p:nvPr>
+            <p:ph type="title"/>
+          </p:nvPr>
+        </p:nvSpPr>
+        <p:spPr>
+          <a:xfrm>
+            <a:off x="483576" y="136525"/>
+            <a:ext cx="11144317" cy="1029921"/>
+          </a:xfrm>
+        </p:spPr>
+        <p:txBody>
+          <a:bodyPr>
+            <a:normAutofit/>
+          </a:bodyPr>
+          <a:lstStyle/>
+          <a:p>
+            <a:r>
+              <a:rPr lang="en-US" altLang="zh-CN" dirty="0" smtClean="0">
+                <a:latin typeface="Times New Roman" panose="02020603050405020304" pitchFamily="18" charset="0"/>
+                <a:cs typeface="Times New Roman" panose="02020603050405020304" pitchFamily="18" charset="0"/>
+              </a:rPr>
+              <a:t>Coded </a:t>
+            </a:r>
+            <a:r>
+              <a:rPr lang="en-US" altLang="zh-CN" dirty="0" err="1" smtClean="0">
+                <a:latin typeface="Times New Roman" panose="02020603050405020304" pitchFamily="18" charset="0"/>
+                <a:cs typeface="Times New Roman" panose="02020603050405020304" pitchFamily="18" charset="0"/>
+              </a:rPr>
+              <a:t>MapReduce</a:t>
+            </a:r>
+            <a:r>
+              <a:rPr lang="en-US" altLang="zh-CN" dirty="0" smtClean="0">
+                <a:latin typeface="Times New Roman" panose="02020603050405020304" pitchFamily="18" charset="0"/>
+                <a:cs typeface="Times New Roman" panose="02020603050405020304" pitchFamily="18" charset="0"/>
+              </a:rPr>
+              <a:t> : Coding Gain</a:t>
+            </a:r>
+            <a:endParaRPr lang="zh-CN" altLang="en-US" dirty="0">
+              <a:latin typeface="Times New Roman" panose="02020603050405020304" pitchFamily="18" charset="0"/>
+              <a:cs typeface="Times New Roman" panose="02020603050405020304" pitchFamily="18" charset="0"/>
+            </a:endParaRPr>
+          </a:p>
+        </p:txBody>
+      </p:sp>
+      <p:pic>
+        <p:nvPicPr>
+          <p:cNvPr id="6" name="图片 5"/>
+          <p:cNvPicPr>
+            <a:picLocks noChangeAspect="1"/>
+          </p:cNvPicPr>
+          <p:nvPr/>
+        </p:nvPicPr>
+        <p:blipFill>
+          <a:blip r:embed="rId3"/>
+          <a:stretch>
+            <a:fillRect/>
+          </a:stretch>
+        </p:blipFill>
+        <p:spPr>
+          <a:xfrm>
+            <a:off x="1931218" y="1166446"/>
+            <a:ext cx="5600000" cy="5161905"/>
+          </a:xfrm>
+          <a:prstGeom prst="rect">
+            <a:avLst/>
+          </a:prstGeom>
+        </p:spPr>
+      </p:pic>
+      <p:pic>
+        <p:nvPicPr>
+          <p:cNvPr id="9" name="图片 8"/>
+          <p:cNvPicPr>
+            <a:picLocks noChangeAspect="1"/>
+          </p:cNvPicPr>
+          <p:nvPr/>
+        </p:nvPicPr>
+        <p:blipFill>
+          <a:blip r:embed="rId4"/>
+          <a:stretch>
+            <a:fillRect/>
+          </a:stretch>
+        </p:blipFill>
+        <p:spPr>
+          <a:xfrm>
+            <a:off x="7694560" y="1596964"/>
+            <a:ext cx="3933333" cy="552381"/>
+          </a:xfrm>
+          <a:prstGeom prst="rect">
+            <a:avLst/>
+          </a:prstGeom>
+        </p:spPr>
+      </p:pic>
+      <p:pic>
+        <p:nvPicPr>
+          <p:cNvPr id="10" name="图片 9"/>
+          <p:cNvPicPr>
+            <a:picLocks noChangeAspect="1"/>
+          </p:cNvPicPr>
+          <p:nvPr/>
+        </p:nvPicPr>
+        <p:blipFill rotWithShape="1">
+          <a:blip r:embed="rId5"/>
+          <a:srcRect r="1225"/>
+          <a:stretch/>
+        </p:blipFill>
+        <p:spPr>
+          <a:xfrm>
+            <a:off x="7694560" y="2443821"/>
+            <a:ext cx="4383709" cy="647619"/>
+          </a:xfrm>
+          <a:prstGeom prst="rect">
+            <a:avLst/>
+          </a:prstGeom>
+        </p:spPr>
+      </p:pic>
+      <p:pic>
+        <p:nvPicPr>
+          <p:cNvPr id="11" name="图片 10"/>
+          <p:cNvPicPr>
+            <a:picLocks noChangeAspect="1"/>
+          </p:cNvPicPr>
+          <p:nvPr/>
+        </p:nvPicPr>
+        <p:blipFill>
+          <a:blip r:embed="rId6"/>
+          <a:stretch>
+            <a:fillRect/>
+          </a:stretch>
+        </p:blipFill>
+        <p:spPr>
+          <a:xfrm>
+            <a:off x="8141460" y="3385916"/>
+            <a:ext cx="2876190" cy="590476"/>
+          </a:xfrm>
+          <a:prstGeom prst="rect">
+            <a:avLst/>
+          </a:prstGeom>
+        </p:spPr>
+      </p:pic>
+      <p:sp>
+        <p:nvSpPr>
+          <p:cNvPr id="12" name="椭圆 11"/>
+          <p:cNvSpPr/>
+          <p:nvPr/>
+        </p:nvSpPr>
+        <p:spPr>
+          <a:xfrm>
+            <a:off x="4831306" y="2333767"/>
+            <a:ext cx="277612" cy="1323833"/>
+          </a:xfrm>
+          <a:prstGeom prst="ellipse">
+            <a:avLst/>
+          </a:prstGeom>
+          <a:noFill/>
+          <a:ln>
+            <a:solidFill>
+              <a:srgbClr val="00B0F0"/>
+            </a:solidFill>
+          </a:ln>
+        </p:spPr>
+        <p:style>
+          <a:lnRef idx="2">
+            <a:schemeClr val="accent1">
+              <a:shade val="50000"/>
+            </a:schemeClr>
+          </a:lnRef>
+          <a:fillRef idx="1">
+            <a:schemeClr val="accent1"/>
+          </a:fillRef>
+          <a:effectRef idx="0">
+            <a:schemeClr val="accent1"/>
+          </a:effectRef>
+          <a:fontRef idx="minor">
+            <a:schemeClr val="lt1"/>
+          </a:fontRef>
+        </p:style>
+        <p:txBody>
+          <a:bodyPr rtlCol="0" anchor="ctr"/>
+          <a:lstStyle/>
+          <a:p>
+            <a:pPr algn="ctr"/>
+            <a:endParaRPr lang="zh-CN" altLang="en-US"/>
+          </a:p>
+        </p:txBody>
+      </p:sp>
+      <p:sp>
+        <p:nvSpPr>
+          <p:cNvPr id="25" name="椭圆 24"/>
+          <p:cNvSpPr/>
+          <p:nvPr/>
+        </p:nvSpPr>
+        <p:spPr>
+          <a:xfrm>
+            <a:off x="4831306" y="3385916"/>
+            <a:ext cx="277612" cy="1745642"/>
+          </a:xfrm>
+          <a:prstGeom prst="ellipse">
+            <a:avLst/>
+          </a:prstGeom>
+          <a:noFill/>
+          <a:ln>
+            <a:solidFill>
+              <a:srgbClr val="FF0000"/>
+            </a:solidFill>
+          </a:ln>
+        </p:spPr>
+        <p:style>
+          <a:lnRef idx="2">
+            <a:schemeClr val="accent1">
+              <a:shade val="50000"/>
+            </a:schemeClr>
+          </a:lnRef>
+          <a:fillRef idx="1">
+            <a:schemeClr val="accent1"/>
+          </a:fillRef>
+          <a:effectRef idx="0">
+            <a:schemeClr val="accent1"/>
+          </a:effectRef>
+          <a:fontRef idx="minor">
+            <a:schemeClr val="lt1"/>
+          </a:fontRef>
+        </p:style>
+        <p:txBody>
+          <a:bodyPr rtlCol="0" anchor="ctr"/>
+          <a:lstStyle/>
+          <a:p>
+            <a:pPr algn="ctr"/>
+            <a:endParaRPr lang="zh-CN" altLang="en-US" dirty="0">
+              <a:solidFill>
+                <a:schemeClr val="tx1"/>
+              </a:solidFill>
+            </a:endParaRPr>
+          </a:p>
+        </p:txBody>
+      </p:sp>
+      <mc:AlternateContent xmlns:mc="http://schemas.openxmlformats.org/markup-compatibility/2006" xmlns:a14="http://schemas.microsoft.com/office/drawing/2010/main">
+        <mc:Choice Requires="a14">
+          <p:sp>
+            <p:nvSpPr>
+              <p:cNvPr id="16" name="文本框 15"/>
+              <p:cNvSpPr txBox="1"/>
+              <p:nvPr/>
+            </p:nvSpPr>
+            <p:spPr>
+              <a:xfrm>
+                <a:off x="4653888" y="2838734"/>
+                <a:ext cx="1187354" cy="400110"/>
+              </a:xfrm>
+              <a:prstGeom prst="rect">
+                <a:avLst/>
+              </a:prstGeom>
+              <a:noFill/>
+            </p:spPr>
+            <p:txBody>
+              <a:bodyPr wrap="square" rtlCol="0">
+                <a:spAutoFit/>
+              </a:bodyPr>
+              <a:lstStyle/>
+              <a:p>
+                <a:pPr/>
+                <a14:m>
+                  <m:oMathPara xmlns:m="http://schemas.openxmlformats.org/officeDocument/2006/math">
+                    <m:oMathParaPr>
+                      <m:jc m:val="centerGroup"/>
+                    </m:oMathParaPr>
+                    <m:oMath xmlns:m="http://schemas.openxmlformats.org/officeDocument/2006/math">
+                      <m:r>
+                        <a:rPr lang="zh-CN" altLang="en-US" sz="2000" b="1" i="1" smtClean="0">
+                          <a:latin typeface="Cambria Math" panose="02040503050406030204" pitchFamily="18" charset="0"/>
+                        </a:rPr>
+                        <m:t>≈</m:t>
+                      </m:r>
+                      <m:r>
+                        <a:rPr lang="en-US" altLang="zh-CN" sz="2000" b="1" i="1" smtClean="0">
+                          <a:latin typeface="Cambria Math" panose="02040503050406030204" pitchFamily="18" charset="0"/>
+                        </a:rPr>
+                        <m:t>𝟏</m:t>
+                      </m:r>
+                      <m:r>
+                        <a:rPr lang="en-US" altLang="zh-CN" sz="2000" b="1" i="1" smtClean="0">
+                          <a:latin typeface="Cambria Math" panose="02040503050406030204" pitchFamily="18" charset="0"/>
+                        </a:rPr>
+                        <m:t>−</m:t>
+                      </m:r>
+                      <m:r>
+                        <a:rPr lang="en-US" altLang="zh-CN" sz="2000" b="1" i="1" smtClean="0">
+                          <a:latin typeface="Cambria Math" panose="02040503050406030204" pitchFamily="18" charset="0"/>
+                        </a:rPr>
+                        <m:t>𝒓</m:t>
+                      </m:r>
+                    </m:oMath>
+                  </m:oMathPara>
+                </a14:m>
+                <a:endParaRPr lang="zh-CN" altLang="en-US" sz="2000" b="1" dirty="0"/>
+              </a:p>
+            </p:txBody>
+          </p:sp>
+        </mc:Choice>
+        <mc:Fallback xmlns="">
+          <p:sp>
+            <p:nvSpPr>
+              <p:cNvPr id="16" name="文本框 15"/>
+              <p:cNvSpPr txBox="1">
+                <a:spLocks noRot="1" noChangeAspect="1" noMove="1" noResize="1" noEditPoints="1" noAdjustHandles="1" noChangeArrowheads="1" noChangeShapeType="1" noTextEdit="1"/>
+              </p:cNvSpPr>
+              <p:nvPr/>
+            </p:nvSpPr>
+            <p:spPr>
+              <a:xfrm>
+                <a:off x="4653888" y="2838734"/>
+                <a:ext cx="1187354" cy="400110"/>
+              </a:xfrm>
+              <a:prstGeom prst="rect">
+                <a:avLst/>
+              </a:prstGeom>
+              <a:blipFill rotWithShape="0">
+                <a:blip r:embed="rId7"/>
+                <a:stretch>
+                  <a:fillRect/>
+                </a:stretch>
+              </a:blipFill>
+            </p:spPr>
+            <p:txBody>
+              <a:bodyPr/>
+              <a:lstStyle/>
+              <a:p>
+                <a:r>
+                  <a:rPr lang="zh-CN" altLang="en-US">
+                    <a:noFill/>
+                  </a:rPr>
+                  <a:t> </a:t>
+                </a:r>
+              </a:p>
+            </p:txBody>
+          </p:sp>
+        </mc:Fallback>
+      </mc:AlternateContent>
+      <mc:AlternateContent xmlns:mc="http://schemas.openxmlformats.org/markup-compatibility/2006" xmlns:a14="http://schemas.microsoft.com/office/drawing/2010/main">
+        <mc:Choice Requires="a14">
+          <p:sp>
+            <p:nvSpPr>
+              <p:cNvPr id="34" name="文本框 33"/>
+              <p:cNvSpPr txBox="1"/>
+              <p:nvPr/>
+            </p:nvSpPr>
+            <p:spPr>
+              <a:xfrm>
+                <a:off x="4749424" y="4053321"/>
+                <a:ext cx="777922" cy="400110"/>
+              </a:xfrm>
+              <a:prstGeom prst="rect">
+                <a:avLst/>
+              </a:prstGeom>
+              <a:noFill/>
+            </p:spPr>
+            <p:txBody>
+              <a:bodyPr wrap="square" rtlCol="0">
+                <a:spAutoFit/>
+              </a:bodyPr>
+              <a:lstStyle/>
+              <a:p>
+                <a:pPr/>
+                <a14:m>
+                  <m:oMathPara xmlns:m="http://schemas.openxmlformats.org/officeDocument/2006/math">
+                    <m:oMathParaPr>
+                      <m:jc m:val="centerGroup"/>
+                    </m:oMathParaPr>
+                    <m:oMath xmlns:m="http://schemas.openxmlformats.org/officeDocument/2006/math">
+                      <m:r>
+                        <a:rPr lang="zh-CN" altLang="en-US" sz="2000" b="1" i="1" smtClean="0">
+                          <a:solidFill>
+                            <a:schemeClr val="tx1"/>
+                          </a:solidFill>
+                          <a:latin typeface="Cambria Math" panose="02040503050406030204" pitchFamily="18" charset="0"/>
+                        </a:rPr>
+                        <m:t>≈</m:t>
+                      </m:r>
+                      <m:r>
+                        <a:rPr lang="en-US" altLang="zh-CN" sz="2000" b="1" i="1" smtClean="0">
+                          <a:solidFill>
+                            <a:schemeClr val="tx1"/>
+                          </a:solidFill>
+                          <a:latin typeface="Cambria Math" panose="02040503050406030204" pitchFamily="18" charset="0"/>
+                        </a:rPr>
+                        <m:t>𝒓𝑲</m:t>
+                      </m:r>
+                    </m:oMath>
+                  </m:oMathPara>
+                </a14:m>
+                <a:endParaRPr lang="zh-CN" altLang="en-US" sz="2000" b="1" dirty="0">
+                  <a:solidFill>
+                    <a:schemeClr val="tx1"/>
+                  </a:solidFill>
+                </a:endParaRPr>
+              </a:p>
+            </p:txBody>
+          </p:sp>
+        </mc:Choice>
+        <mc:Fallback xmlns="">
+          <p:sp>
+            <p:nvSpPr>
+              <p:cNvPr id="34" name="文本框 33"/>
+              <p:cNvSpPr txBox="1">
+                <a:spLocks noRot="1" noChangeAspect="1" noMove="1" noResize="1" noEditPoints="1" noAdjustHandles="1" noChangeArrowheads="1" noChangeShapeType="1" noTextEdit="1"/>
+              </p:cNvSpPr>
+              <p:nvPr/>
+            </p:nvSpPr>
+            <p:spPr>
+              <a:xfrm>
+                <a:off x="4749424" y="4053321"/>
+                <a:ext cx="777922" cy="400110"/>
+              </a:xfrm>
+              <a:prstGeom prst="rect">
+                <a:avLst/>
+              </a:prstGeom>
+              <a:blipFill rotWithShape="0">
+                <a:blip r:embed="rId8"/>
+                <a:stretch>
+                  <a:fillRect/>
+                </a:stretch>
+              </a:blipFill>
+            </p:spPr>
+            <p:txBody>
+              <a:bodyPr/>
+              <a:lstStyle/>
+              <a:p>
+                <a:r>
+                  <a:rPr lang="zh-CN" altLang="en-US">
+                    <a:noFill/>
+                  </a:rPr>
+                  <a:t> </a:t>
+                </a:r>
+              </a:p>
+            </p:txBody>
+          </p:sp>
+        </mc:Fallback>
+      </mc:AlternateContent>
+      <p:pic>
+        <p:nvPicPr>
+          <p:cNvPr id="19" name="图片 18"/>
+          <p:cNvPicPr>
+            <a:picLocks noChangeAspect="1"/>
+          </p:cNvPicPr>
+          <p:nvPr/>
+        </p:nvPicPr>
+        <p:blipFill>
+          <a:blip r:embed="rId9"/>
+          <a:stretch>
+            <a:fillRect/>
+          </a:stretch>
+        </p:blipFill>
+        <p:spPr>
+          <a:xfrm>
+            <a:off x="7531218" y="4368815"/>
+            <a:ext cx="3486431" cy="794299"/>
+          </a:xfrm>
+          <a:prstGeom prst="rect">
+            <a:avLst/>
+          </a:prstGeom>
+        </p:spPr>
+      </p:pic>
+      <p:sp>
+        <p:nvSpPr>
+          <p:cNvPr id="20" name="椭圆 19"/>
+          <p:cNvSpPr/>
+          <p:nvPr/>
+        </p:nvSpPr>
+        <p:spPr>
+          <a:xfrm>
+            <a:off x="9621672" y="4244454"/>
+            <a:ext cx="832513" cy="1119116"/>
+          </a:xfrm>
+          <a:prstGeom prst="ellipse">
+            <a:avLst/>
+          </a:prstGeom>
+          <a:noFill/>
+          <a:ln>
+            <a:solidFill>
+              <a:srgbClr val="00B0F0"/>
+            </a:solidFill>
+          </a:ln>
+        </p:spPr>
+        <p:style>
+          <a:lnRef idx="2">
+            <a:schemeClr val="accent1">
+              <a:shade val="50000"/>
+            </a:schemeClr>
+          </a:lnRef>
+          <a:fillRef idx="1">
+            <a:schemeClr val="accent1"/>
+          </a:fillRef>
+          <a:effectRef idx="0">
+            <a:schemeClr val="accent1"/>
+          </a:effectRef>
+          <a:fontRef idx="minor">
+            <a:schemeClr val="lt1"/>
+          </a:fontRef>
+        </p:style>
+        <p:txBody>
+          <a:bodyPr rtlCol="0" anchor="ctr"/>
+          <a:lstStyle/>
+          <a:p>
+            <a:pPr algn="ctr"/>
+            <a:endParaRPr lang="zh-CN" altLang="en-US"/>
+          </a:p>
+        </p:txBody>
+      </p:sp>
+      <p:sp>
+        <p:nvSpPr>
+          <p:cNvPr id="22" name="椭圆 21"/>
+          <p:cNvSpPr/>
+          <p:nvPr/>
+        </p:nvSpPr>
+        <p:spPr>
+          <a:xfrm>
+            <a:off x="10563367" y="4244454"/>
+            <a:ext cx="454282" cy="1119116"/>
+          </a:xfrm>
+          <a:prstGeom prst="ellipse">
+            <a:avLst/>
+          </a:prstGeom>
+          <a:noFill/>
+          <a:ln>
+            <a:solidFill>
+              <a:srgbClr val="FF0000"/>
+            </a:solidFill>
+          </a:ln>
+        </p:spPr>
+        <p:style>
+          <a:lnRef idx="2">
+            <a:schemeClr val="accent1">
+              <a:shade val="50000"/>
+            </a:schemeClr>
+          </a:lnRef>
+          <a:fillRef idx="1">
+            <a:schemeClr val="accent1"/>
+          </a:fillRef>
+          <a:effectRef idx="0">
+            <a:schemeClr val="accent1"/>
+          </a:effectRef>
+          <a:fontRef idx="minor">
+            <a:schemeClr val="lt1"/>
+          </a:fontRef>
+        </p:style>
+        <p:txBody>
+          <a:bodyPr rtlCol="0" anchor="ctr"/>
+          <a:lstStyle/>
+          <a:p>
+            <a:pPr algn="ctr"/>
+            <a:endParaRPr lang="zh-CN" altLang="en-US"/>
+          </a:p>
+        </p:txBody>
+      </p:sp>
+      <p:sp>
+        <p:nvSpPr>
+          <p:cNvPr id="23" name="文本框 22"/>
+          <p:cNvSpPr txBox="1"/>
+          <p:nvPr/>
+        </p:nvSpPr>
+        <p:spPr>
+          <a:xfrm>
+            <a:off x="9205415" y="3916087"/>
+            <a:ext cx="1665026" cy="369332"/>
+          </a:xfrm>
+          <a:prstGeom prst="rect">
+            <a:avLst/>
+          </a:prstGeom>
+          <a:noFill/>
+        </p:spPr>
+        <p:txBody>
+          <a:bodyPr wrap="square" rtlCol="0">
+            <a:spAutoFit/>
+          </a:bodyPr>
+          <a:lstStyle/>
+          <a:p>
+            <a:r>
+              <a:rPr lang="en-US" altLang="zh-CN" dirty="0" smtClean="0"/>
+              <a:t>Repetitive Gain</a:t>
+            </a:r>
+            <a:endParaRPr lang="zh-CN" altLang="en-US" dirty="0"/>
+          </a:p>
+        </p:txBody>
+      </p:sp>
+      <p:sp>
+        <p:nvSpPr>
+          <p:cNvPr id="35" name="文本框 34"/>
+          <p:cNvSpPr txBox="1"/>
+          <p:nvPr/>
+        </p:nvSpPr>
+        <p:spPr>
+          <a:xfrm>
+            <a:off x="10125179" y="5378128"/>
+            <a:ext cx="1330657" cy="369332"/>
+          </a:xfrm>
+          <a:prstGeom prst="rect">
+            <a:avLst/>
+          </a:prstGeom>
+          <a:noFill/>
+        </p:spPr>
+        <p:txBody>
+          <a:bodyPr wrap="square" rtlCol="0">
+            <a:spAutoFit/>
+          </a:bodyPr>
+          <a:lstStyle/>
+          <a:p>
+            <a:r>
+              <a:rPr lang="en-US" altLang="zh-CN" dirty="0" smtClean="0"/>
+              <a:t>Coding Gain</a:t>
+            </a:r>
+            <a:endParaRPr lang="zh-CN" altLang="en-US" dirty="0"/>
+          </a:p>
+        </p:txBody>
+      </p:sp>
+      <p:sp>
+        <p:nvSpPr>
+          <p:cNvPr id="36" name="圆角矩形 35"/>
+          <p:cNvSpPr/>
+          <p:nvPr/>
+        </p:nvSpPr>
+        <p:spPr>
+          <a:xfrm>
+            <a:off x="8275907" y="653759"/>
+            <a:ext cx="3698544" cy="859809"/>
+          </a:xfrm>
+          <a:prstGeom prst="roundRect">
+            <a:avLst/>
+          </a:prstGeom>
+          <a:solidFill>
+            <a:srgbClr val="FF0000"/>
+          </a:solidFill>
+        </p:spPr>
+        <p:style>
+          <a:lnRef idx="2">
+            <a:schemeClr val="accent1">
+              <a:shade val="50000"/>
+            </a:schemeClr>
+          </a:lnRef>
+          <a:fillRef idx="1">
+            <a:schemeClr val="accent1"/>
+          </a:fillRef>
+          <a:effectRef idx="0">
+            <a:schemeClr val="accent1"/>
+          </a:effectRef>
+          <a:fontRef idx="minor">
+            <a:schemeClr val="lt1"/>
+          </a:fontRef>
+        </p:style>
+        <p:txBody>
+          <a:bodyPr rtlCol="0" anchor="ctr"/>
+          <a:lstStyle/>
+          <a:p>
+            <a:pPr algn="ctr"/>
+            <a:r>
+              <a:rPr lang="en-US" altLang="zh-CN" sz="2800" dirty="0" smtClean="0">
+                <a:latin typeface="Times New Roman" panose="02020603050405020304" pitchFamily="18" charset="0"/>
+                <a:cs typeface="Times New Roman" panose="02020603050405020304" pitchFamily="18" charset="0"/>
+              </a:rPr>
+              <a:t>Parameters: K, Q, N, r </a:t>
+            </a:r>
+            <a:endParaRPr lang="zh-CN" altLang="en-US" sz="2800" dirty="0">
+              <a:latin typeface="Times New Roman" panose="02020603050405020304" pitchFamily="18" charset="0"/>
+              <a:cs typeface="Times New Roman" panose="02020603050405020304" pitchFamily="18" charset="0"/>
+            </a:endParaRPr>
+          </a:p>
+        </p:txBody>
+      </p:sp>
+    </p:spTree>
+    <p:extLst>
+      <p:ext uri="{BB962C8B-B14F-4D97-AF65-F5344CB8AC3E}">
+        <p14:creationId xmlns:p14="http://schemas.microsoft.com/office/powerpoint/2010/main" val="673331949"/>
+      </p:ext>
+    </p:extLst>
+  </p:cSld>
+  <p:clrMapOvr>
+    <a:masterClrMapping/>
+  </p:clrMapOvr>
+  <p:timing>
+    <p:tnLst>
+      <p:par>
+        <p:cTn id="1" dur="indefinite" restart="never" nodeType="tmRoot"/>
+      </p:par>
+    </p:tnLst>
+  </p:timing>
+</p:sld>
+</file>
+
+<file path=ppt/slides/slide8.xml><?xml version="1.0" encoding="utf-8"?>
+<p:sld xmlns:a="http://schemas.openxmlformats.org/drawingml/2006/main" xmlns:r="http://schemas.openxmlformats.org/officeDocument/2006/relationships" xmlns:p="http://schemas.openxmlformats.org/presentationml/2006/main">
+  <p:cSld>
+    <p:spTree>
+      <p:nvGrpSpPr>
+        <p:cNvPr id="1" name=""/>
+        <p:cNvGrpSpPr/>
+        <p:nvPr/>
+      </p:nvGrpSpPr>
+      <p:grpSpPr>
+        <a:xfrm>
+          <a:off x="0" y="0"/>
+          <a:ext cx="0" cy="0"/>
+          <a:chOff x="0" y="0"/>
+          <a:chExt cx="0" cy="0"/>
+        </a:xfrm>
+      </p:grpSpPr>
+      <p:sp>
+        <p:nvSpPr>
+          <p:cNvPr id="2" name="标题 1"/>
+          <p:cNvSpPr>
+            <a:spLocks noGrp="1"/>
+          </p:cNvSpPr>
+          <p:nvPr>
+            <p:ph type="title"/>
+          </p:nvPr>
+        </p:nvSpPr>
+        <p:spPr>
+          <a:xfrm>
+            <a:off x="483576" y="136525"/>
+            <a:ext cx="11144317" cy="1029921"/>
+          </a:xfrm>
+        </p:spPr>
+        <p:txBody>
+          <a:bodyPr>
+            <a:normAutofit/>
+          </a:bodyPr>
+          <a:lstStyle/>
+          <a:p>
+            <a:r>
+              <a:rPr lang="en-US" altLang="zh-CN" dirty="0" smtClean="0">
+                <a:latin typeface="Times New Roman" panose="02020603050405020304" pitchFamily="18" charset="0"/>
+                <a:cs typeface="Times New Roman" panose="02020603050405020304" pitchFamily="18" charset="0"/>
+              </a:rPr>
+              <a:t>Scheme: Coded </a:t>
+            </a:r>
+            <a:r>
+              <a:rPr lang="en-US" altLang="zh-CN" dirty="0" err="1" smtClean="0">
+                <a:latin typeface="Times New Roman" panose="02020603050405020304" pitchFamily="18" charset="0"/>
+                <a:cs typeface="Times New Roman" panose="02020603050405020304" pitchFamily="18" charset="0"/>
+              </a:rPr>
+              <a:t>MapReduce</a:t>
+            </a:r>
+            <a:endParaRPr lang="zh-CN" altLang="en-US" dirty="0">
+              <a:latin typeface="Times New Roman" panose="02020603050405020304" pitchFamily="18" charset="0"/>
+              <a:cs typeface="Times New Roman" panose="02020603050405020304" pitchFamily="18" charset="0"/>
+            </a:endParaRPr>
+          </a:p>
+        </p:txBody>
+      </p:sp>
+      <p:sp>
+        <p:nvSpPr>
+          <p:cNvPr id="30" name="文本框 29"/>
+          <p:cNvSpPr txBox="1"/>
+          <p:nvPr/>
+        </p:nvSpPr>
+        <p:spPr>
+          <a:xfrm>
+            <a:off x="1479204" y="6469052"/>
+            <a:ext cx="784189" cy="369332"/>
+          </a:xfrm>
+          <a:prstGeom prst="rect">
+            <a:avLst/>
+          </a:prstGeom>
+          <a:noFill/>
+        </p:spPr>
+        <p:txBody>
+          <a:bodyPr wrap="none" rtlCol="0">
+            <a:spAutoFit/>
+          </a:bodyPr>
+          <a:lstStyle/>
+          <a:p>
+            <a:r>
+              <a:rPr lang="en-US" altLang="zh-CN" dirty="0" smtClean="0"/>
+              <a:t>A: 135</a:t>
+            </a:r>
+            <a:endParaRPr lang="zh-CN" altLang="en-US" dirty="0"/>
+          </a:p>
+        </p:txBody>
+      </p:sp>
+      <p:sp>
+        <p:nvSpPr>
+          <p:cNvPr id="31" name="文本框 30"/>
+          <p:cNvSpPr txBox="1"/>
+          <p:nvPr/>
+        </p:nvSpPr>
+        <p:spPr>
+          <a:xfrm>
+            <a:off x="4278921" y="6480776"/>
+            <a:ext cx="309700" cy="369332"/>
+          </a:xfrm>
+          <a:prstGeom prst="rect">
+            <a:avLst/>
+          </a:prstGeom>
+          <a:noFill/>
+        </p:spPr>
+        <p:txBody>
+          <a:bodyPr wrap="none" rtlCol="0">
+            <a:spAutoFit/>
+          </a:bodyPr>
+          <a:lstStyle/>
+          <a:p>
+            <a:r>
+              <a:rPr lang="en-US" altLang="zh-CN" dirty="0" smtClean="0"/>
+              <a:t>B</a:t>
+            </a:r>
+            <a:endParaRPr lang="zh-CN" altLang="en-US" dirty="0"/>
+          </a:p>
+        </p:txBody>
+      </p:sp>
+      <p:sp>
+        <p:nvSpPr>
+          <p:cNvPr id="32" name="文本框 31"/>
+          <p:cNvSpPr txBox="1"/>
+          <p:nvPr/>
+        </p:nvSpPr>
+        <p:spPr>
+          <a:xfrm>
+            <a:off x="6963508" y="6469054"/>
+            <a:ext cx="309700" cy="369332"/>
+          </a:xfrm>
+          <a:prstGeom prst="rect">
+            <a:avLst/>
+          </a:prstGeom>
+          <a:noFill/>
+        </p:spPr>
+        <p:txBody>
+          <a:bodyPr wrap="none" rtlCol="0">
+            <a:spAutoFit/>
+          </a:bodyPr>
+          <a:lstStyle/>
+          <a:p>
+            <a:r>
+              <a:rPr lang="en-US" altLang="zh-CN" dirty="0" smtClean="0"/>
+              <a:t>C</a:t>
+            </a:r>
+            <a:endParaRPr lang="zh-CN" altLang="en-US" dirty="0"/>
+          </a:p>
+        </p:txBody>
+      </p:sp>
+      <p:sp>
+        <p:nvSpPr>
+          <p:cNvPr id="33" name="文本框 32"/>
+          <p:cNvSpPr txBox="1"/>
+          <p:nvPr/>
+        </p:nvSpPr>
+        <p:spPr>
+          <a:xfrm>
+            <a:off x="9530862" y="6457332"/>
+            <a:ext cx="327334" cy="369332"/>
+          </a:xfrm>
+          <a:prstGeom prst="rect">
+            <a:avLst/>
+          </a:prstGeom>
+          <a:noFill/>
+        </p:spPr>
+        <p:txBody>
+          <a:bodyPr wrap="none" rtlCol="0">
+            <a:spAutoFit/>
+          </a:bodyPr>
+          <a:lstStyle/>
+          <a:p>
+            <a:r>
+              <a:rPr lang="en-US" altLang="zh-CN" dirty="0"/>
+              <a:t>D</a:t>
+            </a:r>
+            <a:endParaRPr lang="zh-CN" altLang="en-US" dirty="0"/>
+          </a:p>
+        </p:txBody>
+      </p:sp>
+      <p:pic>
+        <p:nvPicPr>
+          <p:cNvPr id="4" name="图片 3"/>
+          <p:cNvPicPr>
+            <a:picLocks noChangeAspect="1"/>
+          </p:cNvPicPr>
+          <p:nvPr/>
+        </p:nvPicPr>
+        <p:blipFill>
+          <a:blip r:embed="rId3"/>
+          <a:stretch>
+            <a:fillRect/>
+          </a:stretch>
+        </p:blipFill>
+        <p:spPr>
+          <a:xfrm>
+            <a:off x="836034" y="887104"/>
+            <a:ext cx="10439400" cy="5923129"/>
+          </a:xfrm>
+          <a:prstGeom prst="rect">
+            <a:avLst/>
+          </a:prstGeom>
+        </p:spPr>
+      </p:pic>
+    </p:spTree>
+    <p:extLst>
+      <p:ext uri="{BB962C8B-B14F-4D97-AF65-F5344CB8AC3E}">
+        <p14:creationId xmlns:p14="http://schemas.microsoft.com/office/powerpoint/2010/main" val="884319764"/>
+      </p:ext>
+    </p:extLst>
+  </p:cSld>
+  <p:clrMapOvr>
+    <a:masterClrMapping/>
+  </p:clrMapOvr>
+  <p:timing>
+    <p:tnLst>
+      <p:par>
+        <p:cTn id="1" dur="indefinite" restart="never" nodeType="tmRoot"/>
+      </p:par>
+    </p:tnLst>
+  </p:timing>
+</p:sld>
+</file>
+
 <file path=ppt/slides/slide9.xml><?xml version="1.0" encoding="utf-8"?>
 <p:sld xmlns:a="http://schemas.openxmlformats.org/drawingml/2006/main" xmlns:r="http://schemas.openxmlformats.org/officeDocument/2006/relationships" xmlns:p="http://schemas.openxmlformats.org/presentationml/2006/main">
   <p:cSld>
@@ -9475,132 +9275,12 @@
                 <a:latin typeface="Times New Roman" panose="02020603050405020304" pitchFamily="18" charset="0"/>
                 <a:cs typeface="Times New Roman" panose="02020603050405020304" pitchFamily="18" charset="0"/>
               </a:rPr>
-              <a:t>Example: Word-Counting (Coded Shuffling)</a:t>
+              <a:t>Main Results:</a:t>
             </a:r>
             <a:endParaRPr lang="zh-CN" altLang="en-US" dirty="0">
               <a:latin typeface="Times New Roman" panose="02020603050405020304" pitchFamily="18" charset="0"/>
               <a:cs typeface="Times New Roman" panose="02020603050405020304" pitchFamily="18" charset="0"/>
             </a:endParaRPr>
-          </a:p>
-        </p:txBody>
-      </p:sp>
-      <p:sp>
-        <p:nvSpPr>
-          <p:cNvPr id="30" name="文本框 29"/>
-          <p:cNvSpPr txBox="1"/>
-          <p:nvPr/>
-        </p:nvSpPr>
-        <p:spPr>
-          <a:xfrm>
-            <a:off x="1479204" y="6469052"/>
-            <a:ext cx="784189" cy="369332"/>
-          </a:xfrm>
-          <a:prstGeom prst="rect">
-            <a:avLst/>
-          </a:prstGeom>
-          <a:noFill/>
-        </p:spPr>
-        <p:txBody>
-          <a:bodyPr wrap="none" rtlCol="0">
-            <a:spAutoFit/>
-          </a:bodyPr>
-          <a:lstStyle/>
-          <a:p>
-            <a:r>
-              <a:rPr lang="en-US" altLang="zh-CN" dirty="0" smtClean="0"/>
-              <a:t>A: 135</a:t>
-            </a:r>
-            <a:endParaRPr lang="zh-CN" altLang="en-US" dirty="0"/>
-          </a:p>
-        </p:txBody>
-      </p:sp>
-      <p:sp>
-        <p:nvSpPr>
-          <p:cNvPr id="31" name="文本框 30"/>
-          <p:cNvSpPr txBox="1"/>
-          <p:nvPr/>
-        </p:nvSpPr>
-        <p:spPr>
-          <a:xfrm>
-            <a:off x="4278921" y="6480776"/>
-            <a:ext cx="309700" cy="369332"/>
-          </a:xfrm>
-          <a:prstGeom prst="rect">
-            <a:avLst/>
-          </a:prstGeom>
-          <a:noFill/>
-        </p:spPr>
-        <p:txBody>
-          <a:bodyPr wrap="none" rtlCol="0">
-            <a:spAutoFit/>
-          </a:bodyPr>
-          <a:lstStyle/>
-          <a:p>
-            <a:r>
-              <a:rPr lang="en-US" altLang="zh-CN" dirty="0" smtClean="0"/>
-              <a:t>B</a:t>
-            </a:r>
-            <a:endParaRPr lang="zh-CN" altLang="en-US" dirty="0"/>
-          </a:p>
-        </p:txBody>
-      </p:sp>
-      <p:sp>
-        <p:nvSpPr>
-          <p:cNvPr id="32" name="文本框 31"/>
-          <p:cNvSpPr txBox="1"/>
-          <p:nvPr/>
-        </p:nvSpPr>
-        <p:spPr>
-          <a:xfrm>
-            <a:off x="6963508" y="6469054"/>
-            <a:ext cx="309700" cy="369332"/>
-          </a:xfrm>
-          <a:prstGeom prst="rect">
-            <a:avLst/>
-          </a:prstGeom>
-          <a:noFill/>
-        </p:spPr>
-        <p:txBody>
-          <a:bodyPr wrap="none" rtlCol="0">
-            <a:spAutoFit/>
-          </a:bodyPr>
-          <a:lstStyle/>
-          <a:p>
-            <a:r>
-              <a:rPr lang="en-US" altLang="zh-CN" dirty="0" smtClean="0"/>
-              <a:t>C</a:t>
-            </a:r>
-            <a:endParaRPr lang="zh-CN" altLang="en-US" dirty="0"/>
-          </a:p>
-        </p:txBody>
-      </p:sp>
-      <p:sp>
-        <p:nvSpPr>
-          <p:cNvPr id="33" name="文本框 32"/>
-          <p:cNvSpPr txBox="1"/>
-          <p:nvPr/>
-        </p:nvSpPr>
-        <p:spPr>
-          <a:xfrm>
-            <a:off x="9530862" y="6457332"/>
-            <a:ext cx="327334" cy="369332"/>
-          </a:xfrm>
-          <a:prstGeom prst="rect">
-            <a:avLst/>
-          </a:prstGeom>
-          <a:noFill/>
-        </p:spPr>
-        <p:txBody>
-          <a:bodyPr wrap="none" rtlCol="0">
-            <a:spAutoFit/>
-          </a:bodyPr>
-          <a:lstStyle/>
-          <a:p>
-            <a:r>
-              <a:rPr lang="en-US" altLang="zh-CN" dirty="0"/>
-              <a:t>D</a:t>
-            </a:r>
-            <a:endParaRPr lang="zh-CN" altLang="en-US" dirty="0"/>
           </a:p>
         </p:txBody>
       </p:sp>
@@ -9620,18 +9300,159 @@
         </p:blipFill>
         <p:spPr>
           <a:xfrm>
-            <a:off x="614149" y="1166446"/>
-            <a:ext cx="11013744" cy="5067316"/>
+            <a:off x="483576" y="1070307"/>
+            <a:ext cx="10542857" cy="1523810"/>
           </a:xfrm>
           <a:prstGeom prst="rect">
             <a:avLst/>
           </a:prstGeom>
         </p:spPr>
       </p:pic>
+      <p:pic>
+        <p:nvPicPr>
+          <p:cNvPr id="5" name="图片 4"/>
+          <p:cNvPicPr>
+            <a:picLocks noChangeAspect="1"/>
+          </p:cNvPicPr>
+          <p:nvPr/>
+        </p:nvPicPr>
+        <p:blipFill>
+          <a:blip r:embed="rId4"/>
+          <a:stretch>
+            <a:fillRect/>
+          </a:stretch>
+        </p:blipFill>
+        <p:spPr>
+          <a:xfrm>
+            <a:off x="483576" y="3633238"/>
+            <a:ext cx="10476190" cy="1447619"/>
+          </a:xfrm>
+          <a:prstGeom prst="rect">
+            <a:avLst/>
+          </a:prstGeom>
+        </p:spPr>
+      </p:pic>
+      <p:sp>
+        <p:nvSpPr>
+          <p:cNvPr id="6" name="椭圆 5"/>
+          <p:cNvSpPr/>
+          <p:nvPr/>
+        </p:nvSpPr>
+        <p:spPr>
+          <a:xfrm>
+            <a:off x="2263393" y="1747195"/>
+            <a:ext cx="1064525" cy="910988"/>
+          </a:xfrm>
+          <a:prstGeom prst="ellipse">
+            <a:avLst/>
+          </a:prstGeom>
+          <a:noFill/>
+        </p:spPr>
+        <p:style>
+          <a:lnRef idx="2">
+            <a:schemeClr val="accent1">
+              <a:shade val="50000"/>
+            </a:schemeClr>
+          </a:lnRef>
+          <a:fillRef idx="1">
+            <a:schemeClr val="accent1"/>
+          </a:fillRef>
+          <a:effectRef idx="0">
+            <a:schemeClr val="accent1"/>
+          </a:effectRef>
+          <a:fontRef idx="minor">
+            <a:schemeClr val="lt1"/>
+          </a:fontRef>
+        </p:style>
+        <p:txBody>
+          <a:bodyPr rtlCol="0" anchor="ctr"/>
+          <a:lstStyle/>
+          <a:p>
+            <a:pPr algn="ctr"/>
+            <a:endParaRPr lang="zh-CN" altLang="en-US"/>
+          </a:p>
+        </p:txBody>
+      </p:sp>
+      <p:sp>
+        <p:nvSpPr>
+          <p:cNvPr id="11" name="椭圆 10"/>
+          <p:cNvSpPr/>
+          <p:nvPr/>
+        </p:nvSpPr>
+        <p:spPr>
+          <a:xfrm>
+            <a:off x="3327918" y="1765579"/>
+            <a:ext cx="2472381" cy="1032211"/>
+          </a:xfrm>
+          <a:prstGeom prst="ellipse">
+            <a:avLst/>
+          </a:prstGeom>
+          <a:noFill/>
+          <a:ln>
+            <a:solidFill>
+              <a:srgbClr val="FF0000"/>
+            </a:solidFill>
+          </a:ln>
+        </p:spPr>
+        <p:style>
+          <a:lnRef idx="2">
+            <a:schemeClr val="accent1">
+              <a:shade val="50000"/>
+            </a:schemeClr>
+          </a:lnRef>
+          <a:fillRef idx="1">
+            <a:schemeClr val="accent1"/>
+          </a:fillRef>
+          <a:effectRef idx="0">
+            <a:schemeClr val="accent1"/>
+          </a:effectRef>
+          <a:fontRef idx="minor">
+            <a:schemeClr val="lt1"/>
+          </a:fontRef>
+        </p:style>
+        <p:txBody>
+          <a:bodyPr rtlCol="0" anchor="ctr"/>
+          <a:lstStyle/>
+          <a:p>
+            <a:pPr algn="ctr"/>
+            <a:endParaRPr lang="zh-CN" altLang="en-US"/>
+          </a:p>
+        </p:txBody>
+      </p:sp>
+      <p:sp>
+        <p:nvSpPr>
+          <p:cNvPr id="7" name="文本框 6"/>
+          <p:cNvSpPr txBox="1"/>
+          <p:nvPr/>
+        </p:nvSpPr>
+        <p:spPr>
+          <a:xfrm>
+            <a:off x="2795655" y="2811786"/>
+            <a:ext cx="2715905" cy="400110"/>
+          </a:xfrm>
+          <a:prstGeom prst="rect">
+            <a:avLst/>
+          </a:prstGeom>
+          <a:noFill/>
+        </p:spPr>
+        <p:txBody>
+          <a:bodyPr wrap="square" rtlCol="0">
+            <a:spAutoFit/>
+          </a:bodyPr>
+          <a:lstStyle/>
+          <a:p>
+            <a:r>
+              <a:rPr lang="en-US" altLang="zh-CN" sz="2000" b="1" dirty="0" smtClean="0"/>
+              <a:t>Cut-Set Bounds</a:t>
+            </a:r>
+            <a:endParaRPr lang="zh-CN" altLang="en-US" sz="2000" b="1" dirty="0"/>
+          </a:p>
+        </p:txBody>
+      </p:sp>
     </p:spTree>
     <p:extLst>
       <p:ext uri="{BB962C8B-B14F-4D97-AF65-F5344CB8AC3E}">
-        <p14:creationId xmlns:p14="http://schemas.microsoft.com/office/powerpoint/2010/main" val="644476332"/>
+        <p14:creationId xmlns:p14="http://schemas.microsoft.com/office/powerpoint/2010/main" val="2713773701"/>
       </p:ext>
     </p:extLst>
   </p:cSld>
